--- a/JupyterNotebooks/LLS/Lecture1.pptx
+++ b/JupyterNotebooks/LLS/Lecture1.pptx
@@ -35,6 +35,18 @@
     <p:sldId id="283" r:id="rId29"/>
     <p:sldId id="284" r:id="rId30"/>
     <p:sldId id="285" r:id="rId31"/>
+    <p:sldId id="286" r:id="rId32"/>
+    <p:sldId id="287" r:id="rId33"/>
+    <p:sldId id="288" r:id="rId34"/>
+    <p:sldId id="289" r:id="rId35"/>
+    <p:sldId id="290" r:id="rId36"/>
+    <p:sldId id="291" r:id="rId37"/>
+    <p:sldId id="292" r:id="rId38"/>
+    <p:sldId id="293" r:id="rId39"/>
+    <p:sldId id="294" r:id="rId40"/>
+    <p:sldId id="295" r:id="rId41"/>
+    <p:sldId id="296" r:id="rId42"/>
+    <p:sldId id="297" r:id="rId43"/>
   </p:sldIdLst>
   <p:sldSz cx="12192000" cy="6858000"/>
   <p:notesSz cx="6858000" cy="9144000"/>
@@ -133,6 +145,11 @@
       </a:defRPr>
     </a:lvl9pPr>
   </p:defaultTextStyle>
+  <p:extLst>
+    <p:ext uri="{EFAFB233-063F-42B5-8137-9DF3F51BA10A}">
+      <p15:sldGuideLst xmlns:p15="http://schemas.microsoft.com/office/powerpoint/2012/main"/>
+    </p:ext>
+  </p:extLst>
 </p:presentation>
 </file>
 
@@ -6546,7 +6563,26 @@
                 <a:latin typeface="Segoe UI" panose="020B0502040204020203" pitchFamily="34" charset="0"/>
                 <a:ea typeface="Times New Roman" panose="02020603050405020304" pitchFamily="18" charset="0"/>
               </a:rPr>
-              <a:t>Artificial Intelligence (AI) refers to the simulation of human intelligence in machines that are programmed to think like a human and mimic their actions. The term is applied to any machine that exhibits traits associated with a human mind such as </a:t>
+              <a:t>Artificial Intelligence (AI) refers to the </a:t>
+            </a:r>
+            <a:r>
+              <a:rPr lang="en-US" sz="1800" dirty="0">
+                <a:solidFill>
+                  <a:srgbClr val="0070C0"/>
+                </a:solidFill>
+                <a:effectLst/>
+                <a:latin typeface="Segoe UI" panose="020B0502040204020203" pitchFamily="34" charset="0"/>
+                <a:ea typeface="Times New Roman" panose="02020603050405020304" pitchFamily="18" charset="0"/>
+              </a:rPr>
+              <a:t>simulation of human intelligence in machines that are programmed to think like a human </a:t>
+            </a:r>
+            <a:r>
+              <a:rPr lang="en-US" sz="1800" dirty="0">
+                <a:effectLst/>
+                <a:latin typeface="Segoe UI" panose="020B0502040204020203" pitchFamily="34" charset="0"/>
+                <a:ea typeface="Times New Roman" panose="02020603050405020304" pitchFamily="18" charset="0"/>
+              </a:rPr>
+              <a:t>and mimic their actions. The term is applied to any machine that exhibits traits associated with a human mind such as </a:t>
             </a:r>
             <a:r>
               <a:rPr lang="en-US" sz="1800" dirty="0">
@@ -7787,6 +7823,2646 @@
 </p:sld>
 </file>
 
+<file path=ppt/slides/slide31.xml><?xml version="1.0" encoding="utf-8"?>
+<p:sld xmlns:a="http://schemas.openxmlformats.org/drawingml/2006/main" xmlns:r="http://schemas.openxmlformats.org/officeDocument/2006/relationships" xmlns:p="http://schemas.openxmlformats.org/presentationml/2006/main">
+  <p:cSld>
+    <p:spTree>
+      <p:nvGrpSpPr>
+        <p:cNvPr id="1" name=""/>
+        <p:cNvGrpSpPr/>
+        <p:nvPr/>
+      </p:nvGrpSpPr>
+      <p:grpSpPr>
+        <a:xfrm>
+          <a:off x="0" y="0"/>
+          <a:ext cx="0" cy="0"/>
+          <a:chOff x="0" y="0"/>
+          <a:chExt cx="0" cy="0"/>
+        </a:xfrm>
+      </p:grpSpPr>
+      <p:sp>
+        <p:nvSpPr>
+          <p:cNvPr id="2" name="Title 1">
+            <a:extLst>
+              <a:ext uri="{FF2B5EF4-FFF2-40B4-BE49-F238E27FC236}">
+                <a16:creationId xmlns:a16="http://schemas.microsoft.com/office/drawing/2014/main" id="{C338B034-968A-3557-FC48-853DEA3F8F3F}"/>
+              </a:ext>
+            </a:extLst>
+          </p:cNvPr>
+          <p:cNvSpPr>
+            <a:spLocks noGrp="1"/>
+          </p:cNvSpPr>
+          <p:nvPr>
+            <p:ph type="title"/>
+          </p:nvPr>
+        </p:nvSpPr>
+        <p:spPr/>
+        <p:txBody>
+          <a:bodyPr/>
+          <a:lstStyle/>
+          <a:p>
+            <a:r>
+              <a:rPr lang="en-US" dirty="0"/>
+              <a:t>What is “consciousness” (in humans)?</a:t>
+            </a:r>
+          </a:p>
+        </p:txBody>
+      </p:sp>
+      <p:sp>
+        <p:nvSpPr>
+          <p:cNvPr id="3" name="Content Placeholder 2">
+            <a:extLst>
+              <a:ext uri="{FF2B5EF4-FFF2-40B4-BE49-F238E27FC236}">
+                <a16:creationId xmlns:a16="http://schemas.microsoft.com/office/drawing/2014/main" id="{5D1971B2-5652-1CD8-2DBC-0599733C5AFC}"/>
+              </a:ext>
+            </a:extLst>
+          </p:cNvPr>
+          <p:cNvSpPr>
+            <a:spLocks noGrp="1"/>
+          </p:cNvSpPr>
+          <p:nvPr>
+            <p:ph idx="1"/>
+          </p:nvPr>
+        </p:nvSpPr>
+        <p:spPr/>
+        <p:txBody>
+          <a:bodyPr>
+            <a:normAutofit fontScale="92500" lnSpcReduction="20000"/>
+          </a:bodyPr>
+          <a:lstStyle/>
+          <a:p>
+            <a:pPr algn="l"/>
+            <a:r>
+              <a:rPr lang="en-US" b="0" i="0" u="none" strike="noStrike" dirty="0">
+                <a:effectLst/>
+                <a:latin typeface="Söhne"/>
+              </a:rPr>
+              <a:t>"Consciousness" is a complex and multifaceted concept that has been explored and debated by philosophers, scientists, and thinkers throughout history. </a:t>
+            </a:r>
+          </a:p>
+          <a:p>
+            <a:pPr algn="l"/>
+            <a:r>
+              <a:rPr lang="en-US" dirty="0">
+                <a:latin typeface="Söhne"/>
+              </a:rPr>
+              <a:t>C</a:t>
+            </a:r>
+            <a:r>
+              <a:rPr lang="en-US" b="0" i="0" u="none" strike="noStrike" dirty="0">
+                <a:effectLst/>
+                <a:latin typeface="Söhne"/>
+              </a:rPr>
+              <a:t>onsciousness generally refers to the state of being aware of and able to think about one’s own existence, sensations, thoughts, and surroundings. It's the state of experiencing perceptions, emotions, and thoughts in a coordinated, integrated manner.</a:t>
+            </a:r>
+          </a:p>
+          <a:p>
+            <a:pPr algn="l"/>
+            <a:r>
+              <a:rPr lang="en-US" b="1" i="0" u="none" strike="noStrike" dirty="0">
+                <a:effectLst/>
+                <a:latin typeface="Söhne"/>
+              </a:rPr>
+              <a:t>Psychological Aspect:</a:t>
+            </a:r>
+          </a:p>
+          <a:p>
+            <a:pPr lvl="1">
+              <a:buFont typeface="Arial" panose="020B0604020202020204" pitchFamily="34" charset="0"/>
+              <a:buChar char="•"/>
+            </a:pPr>
+            <a:r>
+              <a:rPr lang="en-US" b="1" i="0" u="none" strike="noStrike" dirty="0">
+                <a:effectLst/>
+                <a:latin typeface="Söhne"/>
+              </a:rPr>
+              <a:t>Self-awareness:</a:t>
+            </a:r>
+            <a:r>
+              <a:rPr lang="en-US" b="0" i="0" u="none" strike="noStrike" dirty="0">
+                <a:effectLst/>
+                <a:latin typeface="Söhne"/>
+              </a:rPr>
+              <a:t> Knowledge and thoughts about oneself.</a:t>
+            </a:r>
+          </a:p>
+          <a:p>
+            <a:pPr lvl="1">
+              <a:buFont typeface="Arial" panose="020B0604020202020204" pitchFamily="34" charset="0"/>
+              <a:buChar char="•"/>
+            </a:pPr>
+            <a:r>
+              <a:rPr lang="en-US" b="1" i="0" u="none" strike="noStrike" dirty="0">
+                <a:effectLst/>
+                <a:latin typeface="Söhne"/>
+              </a:rPr>
+              <a:t>Meta-awareness:</a:t>
+            </a:r>
+            <a:r>
+              <a:rPr lang="en-US" b="0" i="0" u="none" strike="noStrike" dirty="0">
+                <a:effectLst/>
+                <a:latin typeface="Söhne"/>
+              </a:rPr>
+              <a:t> Awareness of one’s own consciousness and mental processes.</a:t>
+            </a:r>
+          </a:p>
+          <a:p>
+            <a:pPr algn="l"/>
+            <a:r>
+              <a:rPr lang="en-US" b="1" i="0" u="none" strike="noStrike" dirty="0">
+                <a:effectLst/>
+                <a:latin typeface="Söhne"/>
+              </a:rPr>
+              <a:t>Philosophical Aspect:</a:t>
+            </a:r>
+          </a:p>
+          <a:p>
+            <a:pPr lvl="1">
+              <a:buFont typeface="Arial" panose="020B0604020202020204" pitchFamily="34" charset="0"/>
+              <a:buChar char="•"/>
+            </a:pPr>
+            <a:r>
+              <a:rPr lang="en-US" b="1" i="0" u="none" strike="noStrike" dirty="0">
+                <a:effectLst/>
+                <a:latin typeface="Söhne"/>
+              </a:rPr>
+              <a:t>Dualism:</a:t>
+            </a:r>
+            <a:r>
+              <a:rPr lang="en-US" b="0" i="0" u="none" strike="noStrike" dirty="0">
+                <a:effectLst/>
+                <a:latin typeface="Söhne"/>
+              </a:rPr>
+              <a:t> The belief that mind and matter are fundamentally different.</a:t>
+            </a:r>
+          </a:p>
+          <a:p>
+            <a:pPr lvl="1">
+              <a:buFont typeface="Arial" panose="020B0604020202020204" pitchFamily="34" charset="0"/>
+              <a:buChar char="•"/>
+            </a:pPr>
+            <a:r>
+              <a:rPr lang="en-US" b="1" i="0" u="none" strike="noStrike" dirty="0">
+                <a:effectLst/>
+                <a:latin typeface="Söhne"/>
+              </a:rPr>
+              <a:t>Physicalism:</a:t>
+            </a:r>
+            <a:r>
+              <a:rPr lang="en-US" b="0" i="0" u="none" strike="noStrike" dirty="0">
+                <a:effectLst/>
+                <a:latin typeface="Söhne"/>
+              </a:rPr>
+              <a:t> The belief that everything about consciousness can be fully explained in terms of physical processes and phenomena.</a:t>
+            </a:r>
+          </a:p>
+          <a:p>
+            <a:pPr algn="l"/>
+            <a:r>
+              <a:rPr lang="en-US" b="1" i="0" u="none" strike="noStrike" dirty="0">
+                <a:effectLst/>
+                <a:latin typeface="Söhne"/>
+              </a:rPr>
+              <a:t>Biological Aspect:</a:t>
+            </a:r>
+          </a:p>
+          <a:p>
+            <a:pPr lvl="1">
+              <a:buFont typeface="Arial" panose="020B0604020202020204" pitchFamily="34" charset="0"/>
+              <a:buChar char="•"/>
+            </a:pPr>
+            <a:r>
+              <a:rPr lang="en-US" b="0" i="0" u="none" strike="noStrike" dirty="0">
+                <a:effectLst/>
+                <a:latin typeface="Söhne"/>
+              </a:rPr>
+              <a:t>In biology, consciousness might be examined through the lens of evolutionary advantage and how it facilitates sophisticated interactions with the environment.</a:t>
+            </a:r>
+          </a:p>
+          <a:p>
+            <a:pPr lvl="1">
+              <a:buFont typeface="Arial" panose="020B0604020202020204" pitchFamily="34" charset="0"/>
+              <a:buChar char="•"/>
+            </a:pPr>
+            <a:endParaRPr lang="en-US" b="0" i="0" u="none" strike="noStrike" dirty="0">
+              <a:effectLst/>
+              <a:latin typeface="Söhne"/>
+            </a:endParaRPr>
+          </a:p>
+          <a:p>
+            <a:endParaRPr lang="en-US" dirty="0"/>
+          </a:p>
+        </p:txBody>
+      </p:sp>
+    </p:spTree>
+    <p:extLst>
+      <p:ext uri="{BB962C8B-B14F-4D97-AF65-F5344CB8AC3E}">
+        <p14:creationId xmlns:p14="http://schemas.microsoft.com/office/powerpoint/2010/main" val="3371516511"/>
+      </p:ext>
+    </p:extLst>
+  </p:cSld>
+  <p:clrMapOvr>
+    <a:masterClrMapping/>
+  </p:clrMapOvr>
+</p:sld>
+</file>
+
+<file path=ppt/slides/slide32.xml><?xml version="1.0" encoding="utf-8"?>
+<p:sld xmlns:a="http://schemas.openxmlformats.org/drawingml/2006/main" xmlns:r="http://schemas.openxmlformats.org/officeDocument/2006/relationships" xmlns:p="http://schemas.openxmlformats.org/presentationml/2006/main">
+  <p:cSld>
+    <p:spTree>
+      <p:nvGrpSpPr>
+        <p:cNvPr id="1" name=""/>
+        <p:cNvGrpSpPr/>
+        <p:nvPr/>
+      </p:nvGrpSpPr>
+      <p:grpSpPr>
+        <a:xfrm>
+          <a:off x="0" y="0"/>
+          <a:ext cx="0" cy="0"/>
+          <a:chOff x="0" y="0"/>
+          <a:chExt cx="0" cy="0"/>
+        </a:xfrm>
+      </p:grpSpPr>
+      <p:sp>
+        <p:nvSpPr>
+          <p:cNvPr id="2" name="Title 1">
+            <a:extLst>
+              <a:ext uri="{FF2B5EF4-FFF2-40B4-BE49-F238E27FC236}">
+                <a16:creationId xmlns:a16="http://schemas.microsoft.com/office/drawing/2014/main" id="{D8A3F8D0-F95C-A76A-57AE-4D2CCC6A2AD8}"/>
+              </a:ext>
+            </a:extLst>
+          </p:cNvPr>
+          <p:cNvSpPr>
+            <a:spLocks noGrp="1"/>
+          </p:cNvSpPr>
+          <p:nvPr>
+            <p:ph type="title"/>
+          </p:nvPr>
+        </p:nvSpPr>
+        <p:spPr/>
+        <p:txBody>
+          <a:bodyPr/>
+          <a:lstStyle/>
+          <a:p>
+            <a:r>
+              <a:rPr lang="en-US" dirty="0"/>
+              <a:t>What is the current state of AI?</a:t>
+            </a:r>
+          </a:p>
+        </p:txBody>
+      </p:sp>
+      <p:sp>
+        <p:nvSpPr>
+          <p:cNvPr id="3" name="Content Placeholder 2">
+            <a:extLst>
+              <a:ext uri="{FF2B5EF4-FFF2-40B4-BE49-F238E27FC236}">
+                <a16:creationId xmlns:a16="http://schemas.microsoft.com/office/drawing/2014/main" id="{948C5129-54ED-BFB6-9755-99D990BEB8A9}"/>
+              </a:ext>
+            </a:extLst>
+          </p:cNvPr>
+          <p:cNvSpPr>
+            <a:spLocks noGrp="1"/>
+          </p:cNvSpPr>
+          <p:nvPr>
+            <p:ph idx="1"/>
+          </p:nvPr>
+        </p:nvSpPr>
+        <p:spPr>
+          <a:xfrm>
+            <a:off x="1066800" y="1828800"/>
+            <a:ext cx="10058400" cy="4519448"/>
+          </a:xfrm>
+        </p:spPr>
+        <p:txBody>
+          <a:bodyPr>
+            <a:normAutofit/>
+          </a:bodyPr>
+          <a:lstStyle/>
+          <a:p>
+            <a:r>
+              <a:rPr lang="en-US" sz="1800" dirty="0">
+                <a:effectLst/>
+                <a:latin typeface="Segoe UI" panose="020B0502040204020203" pitchFamily="34" charset="0"/>
+                <a:ea typeface="Times New Roman" panose="02020603050405020304" pitchFamily="18" charset="0"/>
+              </a:rPr>
+              <a:t>Thi</a:t>
+            </a:r>
+            <a:r>
+              <a:rPr lang="en-US" dirty="0">
+                <a:latin typeface="Segoe UI" panose="020B0502040204020203" pitchFamily="34" charset="0"/>
+                <a:ea typeface="Times New Roman" panose="02020603050405020304" pitchFamily="18" charset="0"/>
+              </a:rPr>
+              <a:t>s is an incredibly important concept, as we move forward.</a:t>
+            </a:r>
+          </a:p>
+          <a:p>
+            <a:r>
+              <a:rPr lang="en-US" sz="1800" dirty="0">
+                <a:effectLst/>
+                <a:latin typeface="Segoe UI" panose="020B0502040204020203" pitchFamily="34" charset="0"/>
+                <a:ea typeface="Times New Roman" panose="02020603050405020304" pitchFamily="18" charset="0"/>
+              </a:rPr>
+              <a:t>AI can be categorized broadly into two types:</a:t>
+            </a:r>
+          </a:p>
+          <a:p>
+            <a:pPr marL="0" indent="0">
+              <a:buNone/>
+            </a:pPr>
+            <a:endParaRPr lang="en-US" sz="1800" dirty="0">
+              <a:effectLst/>
+              <a:latin typeface="Times New Roman" panose="02020603050405020304" pitchFamily="18" charset="0"/>
+              <a:ea typeface="Times New Roman" panose="02020603050405020304" pitchFamily="18" charset="0"/>
+            </a:endParaRPr>
+          </a:p>
+          <a:p>
+            <a:pPr marL="342900" marR="0" lvl="0" indent="-342900">
+              <a:spcBef>
+                <a:spcPts val="0"/>
+              </a:spcBef>
+              <a:spcAft>
+                <a:spcPts val="0"/>
+              </a:spcAft>
+              <a:buFont typeface="+mj-lt"/>
+              <a:buAutoNum type="arabicPeriod"/>
+              <a:tabLst>
+                <a:tab pos="457200" algn="l"/>
+              </a:tabLst>
+            </a:pPr>
+            <a:r>
+              <a:rPr lang="en-US" sz="1800" b="1" dirty="0">
+                <a:effectLst/>
+                <a:latin typeface="Segoe UI" panose="020B0502040204020203" pitchFamily="34" charset="0"/>
+                <a:ea typeface="Times New Roman" panose="02020603050405020304" pitchFamily="18" charset="0"/>
+              </a:rPr>
+              <a:t>Narrow AI (Weak AI):</a:t>
+            </a:r>
+            <a:r>
+              <a:rPr lang="en-US" sz="1800" dirty="0">
+                <a:effectLst/>
+                <a:latin typeface="Segoe UI" panose="020B0502040204020203" pitchFamily="34" charset="0"/>
+                <a:ea typeface="Times New Roman" panose="02020603050405020304" pitchFamily="18" charset="0"/>
+              </a:rPr>
+              <a:t> Systems that are </a:t>
+            </a:r>
+            <a:r>
+              <a:rPr lang="en-US" sz="1800" dirty="0">
+                <a:solidFill>
+                  <a:srgbClr val="FF0000"/>
+                </a:solidFill>
+                <a:effectLst/>
+                <a:latin typeface="Segoe UI" panose="020B0502040204020203" pitchFamily="34" charset="0"/>
+                <a:ea typeface="Times New Roman" panose="02020603050405020304" pitchFamily="18" charset="0"/>
+              </a:rPr>
+              <a:t>designed and trained for a particular task without possessing general problem-solving abilities</a:t>
+            </a:r>
+            <a:r>
+              <a:rPr lang="en-US" sz="1800" dirty="0">
+                <a:effectLst/>
+                <a:latin typeface="Segoe UI" panose="020B0502040204020203" pitchFamily="34" charset="0"/>
+                <a:ea typeface="Times New Roman" panose="02020603050405020304" pitchFamily="18" charset="0"/>
+              </a:rPr>
+              <a:t>. For instance, voice assistants or image recognition systems.</a:t>
+            </a:r>
+          </a:p>
+          <a:p>
+            <a:pPr marL="342900" marR="0" lvl="0" indent="-342900">
+              <a:spcBef>
+                <a:spcPts val="0"/>
+              </a:spcBef>
+              <a:spcAft>
+                <a:spcPts val="0"/>
+              </a:spcAft>
+              <a:buFont typeface="+mj-lt"/>
+              <a:buAutoNum type="arabicPeriod"/>
+              <a:tabLst>
+                <a:tab pos="457200" algn="l"/>
+              </a:tabLst>
+            </a:pPr>
+            <a:r>
+              <a:rPr lang="en-US" sz="1800" b="1" dirty="0">
+                <a:effectLst/>
+                <a:latin typeface="Segoe UI" panose="020B0502040204020203" pitchFamily="34" charset="0"/>
+                <a:ea typeface="Times New Roman" panose="02020603050405020304" pitchFamily="18" charset="0"/>
+              </a:rPr>
+              <a:t>General AI (Strong AI):</a:t>
+            </a:r>
+            <a:r>
+              <a:rPr lang="en-US" sz="1800" dirty="0">
+                <a:effectLst/>
+                <a:latin typeface="Segoe UI" panose="020B0502040204020203" pitchFamily="34" charset="0"/>
+                <a:ea typeface="Times New Roman" panose="02020603050405020304" pitchFamily="18" charset="0"/>
+              </a:rPr>
+              <a:t> Systems or machines with the ability to perform any intellectual task that a human being can. They can understand, learn, and apply knowledge across diverse domains, which is </a:t>
+            </a:r>
+            <a:r>
+              <a:rPr lang="en-US" sz="1800" dirty="0">
+                <a:solidFill>
+                  <a:srgbClr val="FF0000"/>
+                </a:solidFill>
+                <a:effectLst/>
+                <a:latin typeface="Segoe UI" panose="020B0502040204020203" pitchFamily="34" charset="0"/>
+                <a:ea typeface="Times New Roman" panose="02020603050405020304" pitchFamily="18" charset="0"/>
+              </a:rPr>
+              <a:t>still largely theoretical and doesn’t exist yet</a:t>
+            </a:r>
+            <a:r>
+              <a:rPr lang="en-US" sz="1800" dirty="0">
+                <a:effectLst/>
+                <a:latin typeface="Segoe UI" panose="020B0502040204020203" pitchFamily="34" charset="0"/>
+                <a:ea typeface="Times New Roman" panose="02020603050405020304" pitchFamily="18" charset="0"/>
+              </a:rPr>
+              <a:t>.</a:t>
+            </a:r>
+            <a:endParaRPr lang="en-US" sz="1800" dirty="0">
+              <a:effectLst/>
+              <a:latin typeface="Times New Roman" panose="02020603050405020304" pitchFamily="18" charset="0"/>
+              <a:ea typeface="Times New Roman" panose="02020603050405020304" pitchFamily="18" charset="0"/>
+            </a:endParaRPr>
+          </a:p>
+          <a:p>
+            <a:endParaRPr lang="en-US" dirty="0"/>
+          </a:p>
+          <a:p>
+            <a:r>
+              <a:rPr lang="en-US" dirty="0">
+                <a:solidFill>
+                  <a:srgbClr val="0070C0"/>
+                </a:solidFill>
+              </a:rPr>
+              <a:t>According to experts in the field of artificial intelligence, Strong AI is something that is quite far off in the future; estimates vary, but are typically in the range of 50-100 years, at a minimum.</a:t>
+            </a:r>
+          </a:p>
+        </p:txBody>
+      </p:sp>
+    </p:spTree>
+    <p:extLst>
+      <p:ext uri="{BB962C8B-B14F-4D97-AF65-F5344CB8AC3E}">
+        <p14:creationId xmlns:p14="http://schemas.microsoft.com/office/powerpoint/2010/main" val="143706796"/>
+      </p:ext>
+    </p:extLst>
+  </p:cSld>
+  <p:clrMapOvr>
+    <a:masterClrMapping/>
+  </p:clrMapOvr>
+</p:sld>
+</file>
+
+<file path=ppt/slides/slide33.xml><?xml version="1.0" encoding="utf-8"?>
+<p:sld xmlns:a="http://schemas.openxmlformats.org/drawingml/2006/main" xmlns:r="http://schemas.openxmlformats.org/officeDocument/2006/relationships" xmlns:p="http://schemas.openxmlformats.org/presentationml/2006/main">
+  <p:cSld>
+    <p:spTree>
+      <p:nvGrpSpPr>
+        <p:cNvPr id="1" name=""/>
+        <p:cNvGrpSpPr/>
+        <p:nvPr/>
+      </p:nvGrpSpPr>
+      <p:grpSpPr>
+        <a:xfrm>
+          <a:off x="0" y="0"/>
+          <a:ext cx="0" cy="0"/>
+          <a:chOff x="0" y="0"/>
+          <a:chExt cx="0" cy="0"/>
+        </a:xfrm>
+      </p:grpSpPr>
+      <p:sp>
+        <p:nvSpPr>
+          <p:cNvPr id="2" name="Title 1">
+            <a:extLst>
+              <a:ext uri="{FF2B5EF4-FFF2-40B4-BE49-F238E27FC236}">
+                <a16:creationId xmlns:a16="http://schemas.microsoft.com/office/drawing/2014/main" id="{734882B0-79AE-A1B2-F19A-5839CD1757F2}"/>
+              </a:ext>
+            </a:extLst>
+          </p:cNvPr>
+          <p:cNvSpPr>
+            <a:spLocks noGrp="1"/>
+          </p:cNvSpPr>
+          <p:nvPr>
+            <p:ph type="title"/>
+          </p:nvPr>
+        </p:nvSpPr>
+        <p:spPr/>
+        <p:txBody>
+          <a:bodyPr/>
+          <a:lstStyle/>
+          <a:p>
+            <a:r>
+              <a:rPr lang="en-US" dirty="0"/>
+              <a:t>Modern Approaches and Subfields of AI</a:t>
+            </a:r>
+          </a:p>
+        </p:txBody>
+      </p:sp>
+      <p:sp>
+        <p:nvSpPr>
+          <p:cNvPr id="3" name="Content Placeholder 2">
+            <a:extLst>
+              <a:ext uri="{FF2B5EF4-FFF2-40B4-BE49-F238E27FC236}">
+                <a16:creationId xmlns:a16="http://schemas.microsoft.com/office/drawing/2014/main" id="{1B1EC25D-57A9-9E23-8FF7-424AA2D8F523}"/>
+              </a:ext>
+            </a:extLst>
+          </p:cNvPr>
+          <p:cNvSpPr>
+            <a:spLocks noGrp="1"/>
+          </p:cNvSpPr>
+          <p:nvPr>
+            <p:ph idx="1"/>
+          </p:nvPr>
+        </p:nvSpPr>
+        <p:spPr>
+          <a:xfrm>
+            <a:off x="1066800" y="2103120"/>
+            <a:ext cx="10058400" cy="4256116"/>
+          </a:xfrm>
+        </p:spPr>
+        <p:txBody>
+          <a:bodyPr>
+            <a:normAutofit fontScale="92500" lnSpcReduction="10000"/>
+          </a:bodyPr>
+          <a:lstStyle/>
+          <a:p>
+            <a:pPr marL="342900" marR="0" lvl="0" indent="-342900">
+              <a:spcBef>
+                <a:spcPts val="0"/>
+              </a:spcBef>
+              <a:spcAft>
+                <a:spcPts val="0"/>
+              </a:spcAft>
+              <a:buSzPts val="1000"/>
+              <a:buFont typeface="Symbol" pitchFamily="2" charset="2"/>
+              <a:buChar char=""/>
+              <a:tabLst>
+                <a:tab pos="457200" algn="l"/>
+              </a:tabLst>
+            </a:pPr>
+            <a:r>
+              <a:rPr lang="en-US" sz="1800" b="1" dirty="0">
+                <a:effectLst/>
+                <a:latin typeface="Segoe UI" panose="020B0502040204020203" pitchFamily="34" charset="0"/>
+                <a:ea typeface="Times New Roman" panose="02020603050405020304" pitchFamily="18" charset="0"/>
+              </a:rPr>
+              <a:t>Machine Learning (ML):</a:t>
+            </a:r>
+            <a:r>
+              <a:rPr lang="en-US" sz="1800" dirty="0">
+                <a:effectLst/>
+                <a:latin typeface="Segoe UI" panose="020B0502040204020203" pitchFamily="34" charset="0"/>
+                <a:ea typeface="Times New Roman" panose="02020603050405020304" pitchFamily="18" charset="0"/>
+              </a:rPr>
+              <a:t> A subset of AI that allows systems to </a:t>
+            </a:r>
+            <a:r>
+              <a:rPr lang="en-US" sz="1800" dirty="0">
+                <a:solidFill>
+                  <a:srgbClr val="FF0000"/>
+                </a:solidFill>
+                <a:effectLst/>
+                <a:latin typeface="Segoe UI" panose="020B0502040204020203" pitchFamily="34" charset="0"/>
+                <a:ea typeface="Times New Roman" panose="02020603050405020304" pitchFamily="18" charset="0"/>
+              </a:rPr>
+              <a:t>learn from data</a:t>
+            </a:r>
+            <a:r>
+              <a:rPr lang="en-US" sz="1800" dirty="0">
+                <a:effectLst/>
+                <a:latin typeface="Segoe UI" panose="020B0502040204020203" pitchFamily="34" charset="0"/>
+                <a:ea typeface="Times New Roman" panose="02020603050405020304" pitchFamily="18" charset="0"/>
+              </a:rPr>
+              <a:t>, improve from experience, and </a:t>
+            </a:r>
+            <a:r>
+              <a:rPr lang="en-US" sz="1800" dirty="0">
+                <a:solidFill>
+                  <a:srgbClr val="FF0000"/>
+                </a:solidFill>
+                <a:effectLst/>
+                <a:latin typeface="Segoe UI" panose="020B0502040204020203" pitchFamily="34" charset="0"/>
+                <a:ea typeface="Times New Roman" panose="02020603050405020304" pitchFamily="18" charset="0"/>
+              </a:rPr>
+              <a:t>make predictions or decisions</a:t>
+            </a:r>
+            <a:r>
+              <a:rPr lang="en-US" sz="1800" dirty="0">
+                <a:effectLst/>
+                <a:latin typeface="Segoe UI" panose="020B0502040204020203" pitchFamily="34" charset="0"/>
+                <a:ea typeface="Times New Roman" panose="02020603050405020304" pitchFamily="18" charset="0"/>
+              </a:rPr>
+              <a:t>.</a:t>
+            </a:r>
+          </a:p>
+          <a:p>
+            <a:pPr marL="891540" lvl="2" indent="-342900">
+              <a:spcBef>
+                <a:spcPts val="0"/>
+              </a:spcBef>
+              <a:buSzPts val="1000"/>
+              <a:buFont typeface="Symbol" pitchFamily="2" charset="2"/>
+              <a:buChar char=""/>
+              <a:tabLst>
+                <a:tab pos="457200" algn="l"/>
+              </a:tabLst>
+            </a:pPr>
+            <a:r>
+              <a:rPr lang="en-US" dirty="0">
+                <a:solidFill>
+                  <a:srgbClr val="00B050"/>
+                </a:solidFill>
+                <a:latin typeface="Segoe UI" panose="020B0502040204020203" pitchFamily="34" charset="0"/>
+                <a:ea typeface="Times New Roman" panose="02020603050405020304" pitchFamily="18" charset="0"/>
+              </a:rPr>
+              <a:t>Example:  classification systems – Captcha!</a:t>
+            </a:r>
+            <a:endParaRPr lang="en-US" dirty="0">
+              <a:solidFill>
+                <a:srgbClr val="00B050"/>
+              </a:solidFill>
+              <a:effectLst/>
+              <a:latin typeface="Segoe UI" panose="020B0502040204020203" pitchFamily="34" charset="0"/>
+              <a:ea typeface="Times New Roman" panose="02020603050405020304" pitchFamily="18" charset="0"/>
+            </a:endParaRPr>
+          </a:p>
+          <a:p>
+            <a:pPr marL="0" marR="0" lvl="0" indent="0">
+              <a:spcBef>
+                <a:spcPts val="0"/>
+              </a:spcBef>
+              <a:spcAft>
+                <a:spcPts val="0"/>
+              </a:spcAft>
+              <a:buSzPts val="1000"/>
+              <a:buNone/>
+              <a:tabLst>
+                <a:tab pos="457200" algn="l"/>
+              </a:tabLst>
+            </a:pPr>
+            <a:endParaRPr lang="en-US" sz="1800" dirty="0">
+              <a:effectLst/>
+              <a:latin typeface="Times New Roman" panose="02020603050405020304" pitchFamily="18" charset="0"/>
+              <a:ea typeface="Times New Roman" panose="02020603050405020304" pitchFamily="18" charset="0"/>
+            </a:endParaRPr>
+          </a:p>
+          <a:p>
+            <a:pPr marL="342900" marR="0" lvl="0" indent="-342900">
+              <a:spcBef>
+                <a:spcPts val="0"/>
+              </a:spcBef>
+              <a:spcAft>
+                <a:spcPts val="0"/>
+              </a:spcAft>
+              <a:buSzPts val="1000"/>
+              <a:buFont typeface="Symbol" pitchFamily="2" charset="2"/>
+              <a:buChar char=""/>
+              <a:tabLst>
+                <a:tab pos="457200" algn="l"/>
+              </a:tabLst>
+            </a:pPr>
+            <a:r>
+              <a:rPr lang="en-US" sz="1800" b="1" dirty="0">
+                <a:effectLst/>
+                <a:latin typeface="Segoe UI" panose="020B0502040204020203" pitchFamily="34" charset="0"/>
+                <a:ea typeface="Times New Roman" panose="02020603050405020304" pitchFamily="18" charset="0"/>
+              </a:rPr>
+              <a:t>Deep Learning:</a:t>
+            </a:r>
+            <a:r>
+              <a:rPr lang="en-US" sz="1800" dirty="0">
+                <a:effectLst/>
+                <a:latin typeface="Segoe UI" panose="020B0502040204020203" pitchFamily="34" charset="0"/>
+                <a:ea typeface="Times New Roman" panose="02020603050405020304" pitchFamily="18" charset="0"/>
+              </a:rPr>
+              <a:t> A type of ML that utilizes </a:t>
+            </a:r>
+            <a:r>
+              <a:rPr lang="en-US" sz="1800" dirty="0">
+                <a:solidFill>
+                  <a:srgbClr val="FF0000"/>
+                </a:solidFill>
+                <a:effectLst/>
+                <a:latin typeface="Segoe UI" panose="020B0502040204020203" pitchFamily="34" charset="0"/>
+                <a:ea typeface="Times New Roman" panose="02020603050405020304" pitchFamily="18" charset="0"/>
+              </a:rPr>
+              <a:t>neural networks </a:t>
+            </a:r>
+            <a:r>
+              <a:rPr lang="en-US" sz="1800" dirty="0">
+                <a:effectLst/>
+                <a:latin typeface="Segoe UI" panose="020B0502040204020203" pitchFamily="34" charset="0"/>
+                <a:ea typeface="Times New Roman" panose="02020603050405020304" pitchFamily="18" charset="0"/>
+              </a:rPr>
+              <a:t>with many layers (deep neural networks) to analyze various factors of data.</a:t>
+            </a:r>
+          </a:p>
+          <a:p>
+            <a:pPr marL="891540" lvl="2" indent="-342900">
+              <a:spcBef>
+                <a:spcPts val="0"/>
+              </a:spcBef>
+              <a:buSzPts val="1000"/>
+              <a:buFont typeface="Symbol" pitchFamily="2" charset="2"/>
+              <a:buChar char=""/>
+              <a:tabLst>
+                <a:tab pos="457200" algn="l"/>
+              </a:tabLst>
+            </a:pPr>
+            <a:r>
+              <a:rPr lang="en-US" dirty="0">
+                <a:solidFill>
+                  <a:srgbClr val="00B050"/>
+                </a:solidFill>
+                <a:latin typeface="Segoe UI" panose="020B0502040204020203" pitchFamily="34" charset="0"/>
+                <a:ea typeface="Times New Roman" panose="02020603050405020304" pitchFamily="18" charset="0"/>
+              </a:rPr>
+              <a:t>Example:  understanding the stock market</a:t>
+            </a:r>
+            <a:endParaRPr lang="en-US" dirty="0">
+              <a:solidFill>
+                <a:srgbClr val="00B050"/>
+              </a:solidFill>
+              <a:effectLst/>
+              <a:latin typeface="Segoe UI" panose="020B0502040204020203" pitchFamily="34" charset="0"/>
+              <a:ea typeface="Times New Roman" panose="02020603050405020304" pitchFamily="18" charset="0"/>
+            </a:endParaRPr>
+          </a:p>
+          <a:p>
+            <a:pPr marL="0" marR="0" lvl="0" indent="0">
+              <a:spcBef>
+                <a:spcPts val="0"/>
+              </a:spcBef>
+              <a:spcAft>
+                <a:spcPts val="0"/>
+              </a:spcAft>
+              <a:buSzPts val="1000"/>
+              <a:buNone/>
+              <a:tabLst>
+                <a:tab pos="457200" algn="l"/>
+              </a:tabLst>
+            </a:pPr>
+            <a:endParaRPr lang="en-US" sz="1800" dirty="0">
+              <a:effectLst/>
+              <a:latin typeface="Times New Roman" panose="02020603050405020304" pitchFamily="18" charset="0"/>
+              <a:ea typeface="Times New Roman" panose="02020603050405020304" pitchFamily="18" charset="0"/>
+            </a:endParaRPr>
+          </a:p>
+          <a:p>
+            <a:pPr marL="342900" marR="0" lvl="0" indent="-342900">
+              <a:spcBef>
+                <a:spcPts val="0"/>
+              </a:spcBef>
+              <a:spcAft>
+                <a:spcPts val="0"/>
+              </a:spcAft>
+              <a:buSzPts val="1000"/>
+              <a:buFont typeface="Symbol" pitchFamily="2" charset="2"/>
+              <a:buChar char=""/>
+              <a:tabLst>
+                <a:tab pos="457200" algn="l"/>
+              </a:tabLst>
+            </a:pPr>
+            <a:r>
+              <a:rPr lang="en-US" sz="1800" b="1" dirty="0">
+                <a:effectLst/>
+                <a:latin typeface="Segoe UI" panose="020B0502040204020203" pitchFamily="34" charset="0"/>
+                <a:ea typeface="Times New Roman" panose="02020603050405020304" pitchFamily="18" charset="0"/>
+              </a:rPr>
+              <a:t>Robotics:</a:t>
+            </a:r>
+            <a:r>
+              <a:rPr lang="en-US" sz="1800" dirty="0">
+                <a:effectLst/>
+                <a:latin typeface="Segoe UI" panose="020B0502040204020203" pitchFamily="34" charset="0"/>
+                <a:ea typeface="Times New Roman" panose="02020603050405020304" pitchFamily="18" charset="0"/>
+              </a:rPr>
+              <a:t> Design, construction, and operation of </a:t>
+            </a:r>
+            <a:r>
+              <a:rPr lang="en-US" sz="1800" dirty="0">
+                <a:solidFill>
+                  <a:srgbClr val="FF0000"/>
+                </a:solidFill>
+                <a:effectLst/>
+                <a:latin typeface="Segoe UI" panose="020B0502040204020203" pitchFamily="34" charset="0"/>
+                <a:ea typeface="Times New Roman" panose="02020603050405020304" pitchFamily="18" charset="0"/>
+              </a:rPr>
+              <a:t>robots</a:t>
+            </a:r>
+            <a:r>
+              <a:rPr lang="en-US" sz="1800" dirty="0">
+                <a:effectLst/>
+                <a:latin typeface="Segoe UI" panose="020B0502040204020203" pitchFamily="34" charset="0"/>
+                <a:ea typeface="Times New Roman" panose="02020603050405020304" pitchFamily="18" charset="0"/>
+              </a:rPr>
+              <a:t> to perform tasks </a:t>
+            </a:r>
+            <a:r>
+              <a:rPr lang="en-US" sz="1800" dirty="0">
+                <a:solidFill>
+                  <a:srgbClr val="FF0000"/>
+                </a:solidFill>
+                <a:effectLst/>
+                <a:latin typeface="Segoe UI" panose="020B0502040204020203" pitchFamily="34" charset="0"/>
+                <a:ea typeface="Times New Roman" panose="02020603050405020304" pitchFamily="18" charset="0"/>
+              </a:rPr>
+              <a:t>autonomously or semi-autonomously</a:t>
+            </a:r>
+            <a:r>
+              <a:rPr lang="en-US" sz="1800" dirty="0">
+                <a:effectLst/>
+                <a:latin typeface="Segoe UI" panose="020B0502040204020203" pitchFamily="34" charset="0"/>
+                <a:ea typeface="Times New Roman" panose="02020603050405020304" pitchFamily="18" charset="0"/>
+              </a:rPr>
+              <a:t>.</a:t>
+            </a:r>
+          </a:p>
+          <a:p>
+            <a:pPr marL="891540" lvl="2" indent="-342900">
+              <a:spcBef>
+                <a:spcPts val="0"/>
+              </a:spcBef>
+              <a:buSzPts val="1000"/>
+              <a:buFont typeface="Symbol" pitchFamily="2" charset="2"/>
+              <a:buChar char=""/>
+              <a:tabLst>
+                <a:tab pos="457200" algn="l"/>
+              </a:tabLst>
+            </a:pPr>
+            <a:r>
+              <a:rPr lang="en-US" dirty="0">
+                <a:solidFill>
+                  <a:srgbClr val="00B050"/>
+                </a:solidFill>
+                <a:latin typeface="Segoe UI" panose="020B0502040204020203" pitchFamily="34" charset="0"/>
+                <a:ea typeface="Times New Roman" panose="02020603050405020304" pitchFamily="18" charset="0"/>
+              </a:rPr>
+              <a:t>Examples:  self-driving cars, drones</a:t>
+            </a:r>
+            <a:endParaRPr lang="en-US" dirty="0">
+              <a:solidFill>
+                <a:srgbClr val="00B050"/>
+              </a:solidFill>
+              <a:effectLst/>
+              <a:latin typeface="Segoe UI" panose="020B0502040204020203" pitchFamily="34" charset="0"/>
+              <a:ea typeface="Times New Roman" panose="02020603050405020304" pitchFamily="18" charset="0"/>
+            </a:endParaRPr>
+          </a:p>
+          <a:p>
+            <a:pPr marL="0" marR="0" lvl="0" indent="0">
+              <a:spcBef>
+                <a:spcPts val="0"/>
+              </a:spcBef>
+              <a:spcAft>
+                <a:spcPts val="0"/>
+              </a:spcAft>
+              <a:buSzPts val="1000"/>
+              <a:buNone/>
+              <a:tabLst>
+                <a:tab pos="457200" algn="l"/>
+              </a:tabLst>
+            </a:pPr>
+            <a:endParaRPr lang="en-US" sz="1800" dirty="0">
+              <a:effectLst/>
+              <a:latin typeface="Times New Roman" panose="02020603050405020304" pitchFamily="18" charset="0"/>
+              <a:ea typeface="Times New Roman" panose="02020603050405020304" pitchFamily="18" charset="0"/>
+            </a:endParaRPr>
+          </a:p>
+          <a:p>
+            <a:pPr marL="342900" marR="0" lvl="0" indent="-342900">
+              <a:spcBef>
+                <a:spcPts val="0"/>
+              </a:spcBef>
+              <a:spcAft>
+                <a:spcPts val="0"/>
+              </a:spcAft>
+              <a:buSzPts val="1000"/>
+              <a:buFont typeface="Symbol" pitchFamily="2" charset="2"/>
+              <a:buChar char=""/>
+              <a:tabLst>
+                <a:tab pos="457200" algn="l"/>
+              </a:tabLst>
+            </a:pPr>
+            <a:r>
+              <a:rPr lang="en-US" sz="1800" b="1" dirty="0">
+                <a:effectLst/>
+                <a:latin typeface="Segoe UI" panose="020B0502040204020203" pitchFamily="34" charset="0"/>
+                <a:ea typeface="Times New Roman" panose="02020603050405020304" pitchFamily="18" charset="0"/>
+              </a:rPr>
+              <a:t>Natural Language Processing (NLP):</a:t>
+            </a:r>
+            <a:r>
+              <a:rPr lang="en-US" sz="1800" dirty="0">
+                <a:effectLst/>
+                <a:latin typeface="Segoe UI" panose="020B0502040204020203" pitchFamily="34" charset="0"/>
+                <a:ea typeface="Times New Roman" panose="02020603050405020304" pitchFamily="18" charset="0"/>
+              </a:rPr>
+              <a:t> Enabling machines to understand, interpret, generate, and </a:t>
+            </a:r>
+            <a:r>
+              <a:rPr lang="en-US" sz="1800" dirty="0">
+                <a:solidFill>
+                  <a:srgbClr val="FF0000"/>
+                </a:solidFill>
+                <a:effectLst/>
+                <a:latin typeface="Segoe UI" panose="020B0502040204020203" pitchFamily="34" charset="0"/>
+                <a:ea typeface="Times New Roman" panose="02020603050405020304" pitchFamily="18" charset="0"/>
+              </a:rPr>
+              <a:t>respond to human language </a:t>
+            </a:r>
+            <a:r>
+              <a:rPr lang="en-US" sz="1800" dirty="0">
+                <a:effectLst/>
+                <a:latin typeface="Segoe UI" panose="020B0502040204020203" pitchFamily="34" charset="0"/>
+                <a:ea typeface="Times New Roman" panose="02020603050405020304" pitchFamily="18" charset="0"/>
+              </a:rPr>
+              <a:t>in a valuable way.</a:t>
+            </a:r>
+          </a:p>
+          <a:p>
+            <a:pPr marL="891540" lvl="2" indent="-342900">
+              <a:spcBef>
+                <a:spcPts val="0"/>
+              </a:spcBef>
+              <a:buSzPts val="1000"/>
+              <a:buFont typeface="Symbol" pitchFamily="2" charset="2"/>
+              <a:buChar char=""/>
+              <a:tabLst>
+                <a:tab pos="457200" algn="l"/>
+              </a:tabLst>
+            </a:pPr>
+            <a:r>
+              <a:rPr lang="en-US" dirty="0">
+                <a:solidFill>
+                  <a:srgbClr val="00B050"/>
+                </a:solidFill>
+                <a:latin typeface="Segoe UI" panose="020B0502040204020203" pitchFamily="34" charset="0"/>
+                <a:ea typeface="Times New Roman" panose="02020603050405020304" pitchFamily="18" charset="0"/>
+              </a:rPr>
+              <a:t>Examples:  Siri, Alexa</a:t>
+            </a:r>
+            <a:endParaRPr lang="en-US" sz="1800" dirty="0">
+              <a:solidFill>
+                <a:srgbClr val="00B050"/>
+              </a:solidFill>
+              <a:latin typeface="Segoe UI" panose="020B0502040204020203" pitchFamily="34" charset="0"/>
+              <a:ea typeface="Times New Roman" panose="02020603050405020304" pitchFamily="18" charset="0"/>
+            </a:endParaRPr>
+          </a:p>
+          <a:p>
+            <a:pPr marL="548640" lvl="2" indent="0">
+              <a:spcBef>
+                <a:spcPts val="0"/>
+              </a:spcBef>
+              <a:buSzPts val="1000"/>
+              <a:buNone/>
+              <a:tabLst>
+                <a:tab pos="457200" algn="l"/>
+              </a:tabLst>
+            </a:pPr>
+            <a:endParaRPr lang="en-US" sz="1800" dirty="0">
+              <a:effectLst/>
+              <a:latin typeface="Times New Roman" panose="02020603050405020304" pitchFamily="18" charset="0"/>
+              <a:ea typeface="Times New Roman" panose="02020603050405020304" pitchFamily="18" charset="0"/>
+            </a:endParaRPr>
+          </a:p>
+          <a:p>
+            <a:pPr marL="342900" marR="0" lvl="0" indent="-342900">
+              <a:spcBef>
+                <a:spcPts val="0"/>
+              </a:spcBef>
+              <a:spcAft>
+                <a:spcPts val="0"/>
+              </a:spcAft>
+              <a:buSzPts val="1000"/>
+              <a:buFont typeface="Symbol" pitchFamily="2" charset="2"/>
+              <a:buChar char=""/>
+              <a:tabLst>
+                <a:tab pos="457200" algn="l"/>
+              </a:tabLst>
+            </a:pPr>
+            <a:r>
+              <a:rPr lang="en-US" sz="1800" b="1" dirty="0">
+                <a:effectLst/>
+                <a:latin typeface="Segoe UI" panose="020B0502040204020203" pitchFamily="34" charset="0"/>
+                <a:ea typeface="Times New Roman" panose="02020603050405020304" pitchFamily="18" charset="0"/>
+              </a:rPr>
+              <a:t>Computer Vision:</a:t>
+            </a:r>
+            <a:r>
+              <a:rPr lang="en-US" sz="1800" dirty="0">
+                <a:effectLst/>
+                <a:latin typeface="Segoe UI" panose="020B0502040204020203" pitchFamily="34" charset="0"/>
+                <a:ea typeface="Times New Roman" panose="02020603050405020304" pitchFamily="18" charset="0"/>
+              </a:rPr>
+              <a:t> Allowing machines to interpret and </a:t>
+            </a:r>
+            <a:r>
+              <a:rPr lang="en-US" sz="1800" dirty="0">
+                <a:solidFill>
+                  <a:srgbClr val="FF0000"/>
+                </a:solidFill>
+                <a:effectLst/>
+                <a:latin typeface="Segoe UI" panose="020B0502040204020203" pitchFamily="34" charset="0"/>
+                <a:ea typeface="Times New Roman" panose="02020603050405020304" pitchFamily="18" charset="0"/>
+              </a:rPr>
+              <a:t>make decisions based on visual data</a:t>
+            </a:r>
+            <a:r>
+              <a:rPr lang="en-US" sz="1800" dirty="0">
+                <a:effectLst/>
+                <a:latin typeface="Segoe UI" panose="020B0502040204020203" pitchFamily="34" charset="0"/>
+                <a:ea typeface="Times New Roman" panose="02020603050405020304" pitchFamily="18" charset="0"/>
+              </a:rPr>
+              <a:t>, i.e., images and videos.</a:t>
+            </a:r>
+          </a:p>
+          <a:p>
+            <a:pPr marL="891540" lvl="2" indent="-342900">
+              <a:spcBef>
+                <a:spcPts val="0"/>
+              </a:spcBef>
+              <a:buSzPts val="1000"/>
+              <a:buFont typeface="Symbol" pitchFamily="2" charset="2"/>
+              <a:buChar char=""/>
+              <a:tabLst>
+                <a:tab pos="457200" algn="l"/>
+              </a:tabLst>
+            </a:pPr>
+            <a:r>
+              <a:rPr lang="en-US" dirty="0">
+                <a:solidFill>
+                  <a:srgbClr val="00B050"/>
+                </a:solidFill>
+                <a:latin typeface="Segoe UI" panose="020B0502040204020203" pitchFamily="34" charset="0"/>
+                <a:ea typeface="Times New Roman" panose="02020603050405020304" pitchFamily="18" charset="0"/>
+              </a:rPr>
+              <a:t>Examples:  Facial recognition systems</a:t>
+            </a:r>
+            <a:endParaRPr lang="en-US" dirty="0">
+              <a:solidFill>
+                <a:srgbClr val="00B050"/>
+              </a:solidFill>
+              <a:effectLst/>
+              <a:latin typeface="Times New Roman" panose="02020603050405020304" pitchFamily="18" charset="0"/>
+              <a:ea typeface="Times New Roman" panose="02020603050405020304" pitchFamily="18" charset="0"/>
+            </a:endParaRPr>
+          </a:p>
+          <a:p>
+            <a:endParaRPr lang="en-US" dirty="0"/>
+          </a:p>
+        </p:txBody>
+      </p:sp>
+    </p:spTree>
+    <p:extLst>
+      <p:ext uri="{BB962C8B-B14F-4D97-AF65-F5344CB8AC3E}">
+        <p14:creationId xmlns:p14="http://schemas.microsoft.com/office/powerpoint/2010/main" val="1895734439"/>
+      </p:ext>
+    </p:extLst>
+  </p:cSld>
+  <p:clrMapOvr>
+    <a:masterClrMapping/>
+  </p:clrMapOvr>
+</p:sld>
+</file>
+
+<file path=ppt/slides/slide34.xml><?xml version="1.0" encoding="utf-8"?>
+<p:sld xmlns:a="http://schemas.openxmlformats.org/drawingml/2006/main" xmlns:r="http://schemas.openxmlformats.org/officeDocument/2006/relationships" xmlns:p="http://schemas.openxmlformats.org/presentationml/2006/main">
+  <p:cSld>
+    <p:spTree>
+      <p:nvGrpSpPr>
+        <p:cNvPr id="1" name=""/>
+        <p:cNvGrpSpPr/>
+        <p:nvPr/>
+      </p:nvGrpSpPr>
+      <p:grpSpPr>
+        <a:xfrm>
+          <a:off x="0" y="0"/>
+          <a:ext cx="0" cy="0"/>
+          <a:chOff x="0" y="0"/>
+          <a:chExt cx="0" cy="0"/>
+        </a:xfrm>
+      </p:grpSpPr>
+      <p:sp>
+        <p:nvSpPr>
+          <p:cNvPr id="2" name="Title 1">
+            <a:extLst>
+              <a:ext uri="{FF2B5EF4-FFF2-40B4-BE49-F238E27FC236}">
+                <a16:creationId xmlns:a16="http://schemas.microsoft.com/office/drawing/2014/main" id="{E6B88AEB-17AF-D756-F9EE-991030F2E832}"/>
+              </a:ext>
+            </a:extLst>
+          </p:cNvPr>
+          <p:cNvSpPr>
+            <a:spLocks noGrp="1"/>
+          </p:cNvSpPr>
+          <p:nvPr>
+            <p:ph type="title"/>
+          </p:nvPr>
+        </p:nvSpPr>
+        <p:spPr/>
+        <p:txBody>
+          <a:bodyPr/>
+          <a:lstStyle/>
+          <a:p>
+            <a:r>
+              <a:rPr lang="en-US" dirty="0"/>
+              <a:t>Applications of AI in Our World</a:t>
+            </a:r>
+          </a:p>
+        </p:txBody>
+      </p:sp>
+      <p:sp>
+        <p:nvSpPr>
+          <p:cNvPr id="3" name="Content Placeholder 2">
+            <a:extLst>
+              <a:ext uri="{FF2B5EF4-FFF2-40B4-BE49-F238E27FC236}">
+                <a16:creationId xmlns:a16="http://schemas.microsoft.com/office/drawing/2014/main" id="{C3674C45-932A-CE45-8612-78DBA9CCFC72}"/>
+              </a:ext>
+            </a:extLst>
+          </p:cNvPr>
+          <p:cNvSpPr>
+            <a:spLocks noGrp="1"/>
+          </p:cNvSpPr>
+          <p:nvPr>
+            <p:ph idx="1"/>
+          </p:nvPr>
+        </p:nvSpPr>
+        <p:spPr/>
+        <p:txBody>
+          <a:bodyPr/>
+          <a:lstStyle/>
+          <a:p>
+            <a:pPr marL="0" marR="0">
+              <a:spcBef>
+                <a:spcPts val="0"/>
+              </a:spcBef>
+              <a:spcAft>
+                <a:spcPts val="1500"/>
+              </a:spcAft>
+            </a:pPr>
+            <a:r>
+              <a:rPr lang="en-US" sz="1800" b="1" dirty="0">
+                <a:effectLst/>
+                <a:latin typeface="Segoe UI" panose="020B0502040204020203" pitchFamily="34" charset="0"/>
+                <a:ea typeface="Times New Roman" panose="02020603050405020304" pitchFamily="18" charset="0"/>
+              </a:rPr>
+              <a:t>Healthcare:</a:t>
+            </a:r>
+            <a:endParaRPr lang="en-US" sz="1800" dirty="0">
+              <a:effectLst/>
+              <a:latin typeface="Times New Roman" panose="02020603050405020304" pitchFamily="18" charset="0"/>
+              <a:ea typeface="Times New Roman" panose="02020603050405020304" pitchFamily="18" charset="0"/>
+            </a:endParaRPr>
+          </a:p>
+          <a:p>
+            <a:pPr marL="342900" marR="0" lvl="0" indent="-342900">
+              <a:spcBef>
+                <a:spcPts val="0"/>
+              </a:spcBef>
+              <a:spcAft>
+                <a:spcPts val="0"/>
+              </a:spcAft>
+              <a:buSzPts val="1000"/>
+              <a:buFont typeface="Symbol" pitchFamily="2" charset="2"/>
+              <a:buChar char=""/>
+              <a:tabLst>
+                <a:tab pos="457200" algn="l"/>
+              </a:tabLst>
+            </a:pPr>
+            <a:r>
+              <a:rPr lang="en-US" sz="1800" b="1" dirty="0">
+                <a:effectLst/>
+                <a:latin typeface="Segoe UI" panose="020B0502040204020203" pitchFamily="34" charset="0"/>
+                <a:ea typeface="Times New Roman" panose="02020603050405020304" pitchFamily="18" charset="0"/>
+              </a:rPr>
+              <a:t>Diagnostic Aid:</a:t>
+            </a:r>
+            <a:r>
+              <a:rPr lang="en-US" sz="1800" dirty="0">
+                <a:effectLst/>
+                <a:latin typeface="Segoe UI" panose="020B0502040204020203" pitchFamily="34" charset="0"/>
+                <a:ea typeface="Times New Roman" panose="02020603050405020304" pitchFamily="18" charset="0"/>
+              </a:rPr>
+              <a:t> AI algorithms can analyze medical images, such as X-rays and MRIs, assisting in the early detection of conditions like cancer, diabetes, and cardiac diseases.</a:t>
+            </a:r>
+          </a:p>
+          <a:p>
+            <a:pPr marL="0" marR="0" lvl="0" indent="0">
+              <a:spcBef>
+                <a:spcPts val="0"/>
+              </a:spcBef>
+              <a:spcAft>
+                <a:spcPts val="0"/>
+              </a:spcAft>
+              <a:buSzPts val="1000"/>
+              <a:buNone/>
+              <a:tabLst>
+                <a:tab pos="457200" algn="l"/>
+              </a:tabLst>
+            </a:pPr>
+            <a:endParaRPr lang="en-US" sz="1800" dirty="0">
+              <a:effectLst/>
+              <a:latin typeface="Times New Roman" panose="02020603050405020304" pitchFamily="18" charset="0"/>
+              <a:ea typeface="Times New Roman" panose="02020603050405020304" pitchFamily="18" charset="0"/>
+            </a:endParaRPr>
+          </a:p>
+          <a:p>
+            <a:pPr marL="342900" marR="0" lvl="0" indent="-342900">
+              <a:spcBef>
+                <a:spcPts val="0"/>
+              </a:spcBef>
+              <a:spcAft>
+                <a:spcPts val="0"/>
+              </a:spcAft>
+              <a:buSzPts val="1000"/>
+              <a:buFont typeface="Symbol" pitchFamily="2" charset="2"/>
+              <a:buChar char=""/>
+              <a:tabLst>
+                <a:tab pos="457200" algn="l"/>
+              </a:tabLst>
+            </a:pPr>
+            <a:r>
+              <a:rPr lang="en-US" sz="1800" b="1" dirty="0">
+                <a:effectLst/>
+                <a:latin typeface="Segoe UI" panose="020B0502040204020203" pitchFamily="34" charset="0"/>
+                <a:ea typeface="Times New Roman" panose="02020603050405020304" pitchFamily="18" charset="0"/>
+              </a:rPr>
+              <a:t>Treatment Personalization:</a:t>
+            </a:r>
+            <a:r>
+              <a:rPr lang="en-US" sz="1800" dirty="0">
+                <a:effectLst/>
+                <a:latin typeface="Segoe UI" panose="020B0502040204020203" pitchFamily="34" charset="0"/>
+                <a:ea typeface="Times New Roman" panose="02020603050405020304" pitchFamily="18" charset="0"/>
+              </a:rPr>
+              <a:t> AI facilitates personalized medicine by predicting patient responses to various treatments based on their medical history and genetic makeup.</a:t>
+            </a:r>
+          </a:p>
+          <a:p>
+            <a:pPr marL="0" marR="0" lvl="0" indent="0">
+              <a:spcBef>
+                <a:spcPts val="0"/>
+              </a:spcBef>
+              <a:spcAft>
+                <a:spcPts val="0"/>
+              </a:spcAft>
+              <a:buSzPts val="1000"/>
+              <a:buNone/>
+              <a:tabLst>
+                <a:tab pos="457200" algn="l"/>
+              </a:tabLst>
+            </a:pPr>
+            <a:endParaRPr lang="en-US" sz="1800" dirty="0">
+              <a:effectLst/>
+              <a:latin typeface="Times New Roman" panose="02020603050405020304" pitchFamily="18" charset="0"/>
+              <a:ea typeface="Times New Roman" panose="02020603050405020304" pitchFamily="18" charset="0"/>
+            </a:endParaRPr>
+          </a:p>
+          <a:p>
+            <a:pPr marL="342900" marR="0" lvl="0" indent="-342900">
+              <a:spcBef>
+                <a:spcPts val="0"/>
+              </a:spcBef>
+              <a:spcAft>
+                <a:spcPts val="0"/>
+              </a:spcAft>
+              <a:buSzPts val="1000"/>
+              <a:buFont typeface="Symbol" pitchFamily="2" charset="2"/>
+              <a:buChar char=""/>
+              <a:tabLst>
+                <a:tab pos="457200" algn="l"/>
+              </a:tabLst>
+            </a:pPr>
+            <a:r>
+              <a:rPr lang="en-US" sz="1800" b="1" dirty="0">
+                <a:effectLst/>
+                <a:latin typeface="Segoe UI" panose="020B0502040204020203" pitchFamily="34" charset="0"/>
+                <a:ea typeface="Times New Roman" panose="02020603050405020304" pitchFamily="18" charset="0"/>
+              </a:rPr>
+              <a:t>Drug Development:</a:t>
+            </a:r>
+            <a:r>
+              <a:rPr lang="en-US" sz="1800" dirty="0">
+                <a:effectLst/>
+                <a:latin typeface="Segoe UI" panose="020B0502040204020203" pitchFamily="34" charset="0"/>
+                <a:ea typeface="Times New Roman" panose="02020603050405020304" pitchFamily="18" charset="0"/>
+              </a:rPr>
+              <a:t> AI accelerates the drug discovery process by analyzing complex biochemical interactions.</a:t>
+            </a:r>
+            <a:endParaRPr lang="en-US" sz="1800" dirty="0">
+              <a:effectLst/>
+              <a:latin typeface="Times New Roman" panose="02020603050405020304" pitchFamily="18" charset="0"/>
+              <a:ea typeface="Times New Roman" panose="02020603050405020304" pitchFamily="18" charset="0"/>
+            </a:endParaRPr>
+          </a:p>
+        </p:txBody>
+      </p:sp>
+    </p:spTree>
+    <p:extLst>
+      <p:ext uri="{BB962C8B-B14F-4D97-AF65-F5344CB8AC3E}">
+        <p14:creationId xmlns:p14="http://schemas.microsoft.com/office/powerpoint/2010/main" val="2723587399"/>
+      </p:ext>
+    </p:extLst>
+  </p:cSld>
+  <p:clrMapOvr>
+    <a:masterClrMapping/>
+  </p:clrMapOvr>
+</p:sld>
+</file>
+
+<file path=ppt/slides/slide35.xml><?xml version="1.0" encoding="utf-8"?>
+<p:sld xmlns:a="http://schemas.openxmlformats.org/drawingml/2006/main" xmlns:r="http://schemas.openxmlformats.org/officeDocument/2006/relationships" xmlns:p="http://schemas.openxmlformats.org/presentationml/2006/main">
+  <p:cSld>
+    <p:spTree>
+      <p:nvGrpSpPr>
+        <p:cNvPr id="1" name=""/>
+        <p:cNvGrpSpPr/>
+        <p:nvPr/>
+      </p:nvGrpSpPr>
+      <p:grpSpPr>
+        <a:xfrm>
+          <a:off x="0" y="0"/>
+          <a:ext cx="0" cy="0"/>
+          <a:chOff x="0" y="0"/>
+          <a:chExt cx="0" cy="0"/>
+        </a:xfrm>
+      </p:grpSpPr>
+      <p:sp>
+        <p:nvSpPr>
+          <p:cNvPr id="2" name="Title 1">
+            <a:extLst>
+              <a:ext uri="{FF2B5EF4-FFF2-40B4-BE49-F238E27FC236}">
+                <a16:creationId xmlns:a16="http://schemas.microsoft.com/office/drawing/2014/main" id="{E6B88AEB-17AF-D756-F9EE-991030F2E832}"/>
+              </a:ext>
+            </a:extLst>
+          </p:cNvPr>
+          <p:cNvSpPr>
+            <a:spLocks noGrp="1"/>
+          </p:cNvSpPr>
+          <p:nvPr>
+            <p:ph type="title"/>
+          </p:nvPr>
+        </p:nvSpPr>
+        <p:spPr/>
+        <p:txBody>
+          <a:bodyPr/>
+          <a:lstStyle/>
+          <a:p>
+            <a:r>
+              <a:rPr lang="en-US" dirty="0"/>
+              <a:t>Applications of AI in Our World</a:t>
+            </a:r>
+          </a:p>
+        </p:txBody>
+      </p:sp>
+      <p:sp>
+        <p:nvSpPr>
+          <p:cNvPr id="3" name="Content Placeholder 2">
+            <a:extLst>
+              <a:ext uri="{FF2B5EF4-FFF2-40B4-BE49-F238E27FC236}">
+                <a16:creationId xmlns:a16="http://schemas.microsoft.com/office/drawing/2014/main" id="{C3674C45-932A-CE45-8612-78DBA9CCFC72}"/>
+              </a:ext>
+            </a:extLst>
+          </p:cNvPr>
+          <p:cNvSpPr>
+            <a:spLocks noGrp="1"/>
+          </p:cNvSpPr>
+          <p:nvPr>
+            <p:ph idx="1"/>
+          </p:nvPr>
+        </p:nvSpPr>
+        <p:spPr/>
+        <p:txBody>
+          <a:bodyPr/>
+          <a:lstStyle/>
+          <a:p>
+            <a:pPr marL="0" marR="0">
+              <a:spcBef>
+                <a:spcPts val="1500"/>
+              </a:spcBef>
+              <a:spcAft>
+                <a:spcPts val="1500"/>
+              </a:spcAft>
+            </a:pPr>
+            <a:r>
+              <a:rPr lang="en-US" sz="1800" b="1" dirty="0">
+                <a:effectLst/>
+                <a:latin typeface="Segoe UI" panose="020B0502040204020203" pitchFamily="34" charset="0"/>
+                <a:ea typeface="Times New Roman" panose="02020603050405020304" pitchFamily="18" charset="0"/>
+              </a:rPr>
+              <a:t>Education:</a:t>
+            </a:r>
+            <a:endParaRPr lang="en-US" sz="1800" dirty="0">
+              <a:effectLst/>
+              <a:latin typeface="Times New Roman" panose="02020603050405020304" pitchFamily="18" charset="0"/>
+              <a:ea typeface="Times New Roman" panose="02020603050405020304" pitchFamily="18" charset="0"/>
+            </a:endParaRPr>
+          </a:p>
+          <a:p>
+            <a:pPr marL="342900" marR="0" lvl="0" indent="-342900">
+              <a:spcBef>
+                <a:spcPts val="0"/>
+              </a:spcBef>
+              <a:spcAft>
+                <a:spcPts val="0"/>
+              </a:spcAft>
+              <a:buSzPts val="1000"/>
+              <a:buFont typeface="Symbol" pitchFamily="2" charset="2"/>
+              <a:buChar char=""/>
+              <a:tabLst>
+                <a:tab pos="457200" algn="l"/>
+              </a:tabLst>
+            </a:pPr>
+            <a:r>
+              <a:rPr lang="en-US" sz="1800" b="1" dirty="0">
+                <a:effectLst/>
+                <a:latin typeface="Segoe UI" panose="020B0502040204020203" pitchFamily="34" charset="0"/>
+                <a:ea typeface="Times New Roman" panose="02020603050405020304" pitchFamily="18" charset="0"/>
+              </a:rPr>
+              <a:t>Personalized Learning:</a:t>
+            </a:r>
+            <a:r>
+              <a:rPr lang="en-US" sz="1800" dirty="0">
+                <a:effectLst/>
+                <a:latin typeface="Segoe UI" panose="020B0502040204020203" pitchFamily="34" charset="0"/>
+                <a:ea typeface="Times New Roman" panose="02020603050405020304" pitchFamily="18" charset="0"/>
+              </a:rPr>
+              <a:t> AI can tailor educational experiences to meet individual student needs, adapting content and learning pathways to enhance knowledge acquisition.</a:t>
+            </a:r>
+          </a:p>
+          <a:p>
+            <a:pPr marL="0" marR="0" lvl="0" indent="0">
+              <a:spcBef>
+                <a:spcPts val="0"/>
+              </a:spcBef>
+              <a:spcAft>
+                <a:spcPts val="0"/>
+              </a:spcAft>
+              <a:buSzPts val="1000"/>
+              <a:buNone/>
+              <a:tabLst>
+                <a:tab pos="457200" algn="l"/>
+              </a:tabLst>
+            </a:pPr>
+            <a:endParaRPr lang="en-US" sz="1800" dirty="0">
+              <a:effectLst/>
+              <a:latin typeface="Times New Roman" panose="02020603050405020304" pitchFamily="18" charset="0"/>
+              <a:ea typeface="Times New Roman" panose="02020603050405020304" pitchFamily="18" charset="0"/>
+            </a:endParaRPr>
+          </a:p>
+          <a:p>
+            <a:pPr marL="342900" marR="0" lvl="0" indent="-342900">
+              <a:spcBef>
+                <a:spcPts val="0"/>
+              </a:spcBef>
+              <a:spcAft>
+                <a:spcPts val="0"/>
+              </a:spcAft>
+              <a:buSzPts val="1000"/>
+              <a:buFont typeface="Symbol" pitchFamily="2" charset="2"/>
+              <a:buChar char=""/>
+              <a:tabLst>
+                <a:tab pos="457200" algn="l"/>
+              </a:tabLst>
+            </a:pPr>
+            <a:r>
+              <a:rPr lang="en-US" sz="1800" b="1" dirty="0">
+                <a:effectLst/>
+                <a:latin typeface="Segoe UI" panose="020B0502040204020203" pitchFamily="34" charset="0"/>
+                <a:ea typeface="Times New Roman" panose="02020603050405020304" pitchFamily="18" charset="0"/>
+              </a:rPr>
+              <a:t>Administrative Tasks:</a:t>
+            </a:r>
+            <a:r>
+              <a:rPr lang="en-US" sz="1800" dirty="0">
+                <a:effectLst/>
+                <a:latin typeface="Segoe UI" panose="020B0502040204020203" pitchFamily="34" charset="0"/>
+                <a:ea typeface="Times New Roman" panose="02020603050405020304" pitchFamily="18" charset="0"/>
+              </a:rPr>
+              <a:t> Automating administrative duties, such as grading assignments, allows educators to devote more time to teaching and student interaction.</a:t>
+            </a:r>
+          </a:p>
+          <a:p>
+            <a:pPr marL="0" marR="0" lvl="0" indent="0">
+              <a:spcBef>
+                <a:spcPts val="0"/>
+              </a:spcBef>
+              <a:spcAft>
+                <a:spcPts val="0"/>
+              </a:spcAft>
+              <a:buSzPts val="1000"/>
+              <a:buNone/>
+              <a:tabLst>
+                <a:tab pos="457200" algn="l"/>
+              </a:tabLst>
+            </a:pPr>
+            <a:endParaRPr lang="en-US" sz="1800" dirty="0">
+              <a:effectLst/>
+              <a:latin typeface="Times New Roman" panose="02020603050405020304" pitchFamily="18" charset="0"/>
+              <a:ea typeface="Times New Roman" panose="02020603050405020304" pitchFamily="18" charset="0"/>
+            </a:endParaRPr>
+          </a:p>
+          <a:p>
+            <a:pPr marL="342900" marR="0" lvl="0" indent="-342900">
+              <a:spcBef>
+                <a:spcPts val="0"/>
+              </a:spcBef>
+              <a:spcAft>
+                <a:spcPts val="0"/>
+              </a:spcAft>
+              <a:buSzPts val="1000"/>
+              <a:buFont typeface="Symbol" pitchFamily="2" charset="2"/>
+              <a:buChar char=""/>
+              <a:tabLst>
+                <a:tab pos="457200" algn="l"/>
+              </a:tabLst>
+            </a:pPr>
+            <a:r>
+              <a:rPr lang="en-US" sz="1800" b="1" dirty="0">
+                <a:effectLst/>
+                <a:latin typeface="Segoe UI" panose="020B0502040204020203" pitchFamily="34" charset="0"/>
+                <a:ea typeface="Times New Roman" panose="02020603050405020304" pitchFamily="18" charset="0"/>
+              </a:rPr>
+              <a:t>Intelligent Tutoring Systems:</a:t>
+            </a:r>
+            <a:r>
+              <a:rPr lang="en-US" sz="1800" dirty="0">
+                <a:effectLst/>
+                <a:latin typeface="Segoe UI" panose="020B0502040204020203" pitchFamily="34" charset="0"/>
+                <a:ea typeface="Times New Roman" panose="02020603050405020304" pitchFamily="18" charset="0"/>
+              </a:rPr>
+              <a:t> AI tutors can offer additional support to students, guiding them through challenging topics outside classroom hours.</a:t>
+            </a:r>
+            <a:endParaRPr lang="en-US" sz="1800" dirty="0">
+              <a:effectLst/>
+              <a:latin typeface="Times New Roman" panose="02020603050405020304" pitchFamily="18" charset="0"/>
+              <a:ea typeface="Times New Roman" panose="02020603050405020304" pitchFamily="18" charset="0"/>
+            </a:endParaRPr>
+          </a:p>
+          <a:p>
+            <a:pPr marL="0" marR="0">
+              <a:spcBef>
+                <a:spcPts val="0"/>
+              </a:spcBef>
+              <a:spcAft>
+                <a:spcPts val="1500"/>
+              </a:spcAft>
+            </a:pPr>
+            <a:endParaRPr lang="en-US" sz="1800" dirty="0">
+              <a:effectLst/>
+              <a:latin typeface="Times New Roman" panose="02020603050405020304" pitchFamily="18" charset="0"/>
+              <a:ea typeface="Times New Roman" panose="02020603050405020304" pitchFamily="18" charset="0"/>
+            </a:endParaRPr>
+          </a:p>
+        </p:txBody>
+      </p:sp>
+    </p:spTree>
+    <p:extLst>
+      <p:ext uri="{BB962C8B-B14F-4D97-AF65-F5344CB8AC3E}">
+        <p14:creationId xmlns:p14="http://schemas.microsoft.com/office/powerpoint/2010/main" val="3911637302"/>
+      </p:ext>
+    </p:extLst>
+  </p:cSld>
+  <p:clrMapOvr>
+    <a:masterClrMapping/>
+  </p:clrMapOvr>
+</p:sld>
+</file>
+
+<file path=ppt/slides/slide36.xml><?xml version="1.0" encoding="utf-8"?>
+<p:sld xmlns:a="http://schemas.openxmlformats.org/drawingml/2006/main" xmlns:r="http://schemas.openxmlformats.org/officeDocument/2006/relationships" xmlns:p="http://schemas.openxmlformats.org/presentationml/2006/main">
+  <p:cSld>
+    <p:spTree>
+      <p:nvGrpSpPr>
+        <p:cNvPr id="1" name=""/>
+        <p:cNvGrpSpPr/>
+        <p:nvPr/>
+      </p:nvGrpSpPr>
+      <p:grpSpPr>
+        <a:xfrm>
+          <a:off x="0" y="0"/>
+          <a:ext cx="0" cy="0"/>
+          <a:chOff x="0" y="0"/>
+          <a:chExt cx="0" cy="0"/>
+        </a:xfrm>
+      </p:grpSpPr>
+      <p:sp>
+        <p:nvSpPr>
+          <p:cNvPr id="2" name="Title 1">
+            <a:extLst>
+              <a:ext uri="{FF2B5EF4-FFF2-40B4-BE49-F238E27FC236}">
+                <a16:creationId xmlns:a16="http://schemas.microsoft.com/office/drawing/2014/main" id="{E6B88AEB-17AF-D756-F9EE-991030F2E832}"/>
+              </a:ext>
+            </a:extLst>
+          </p:cNvPr>
+          <p:cNvSpPr>
+            <a:spLocks noGrp="1"/>
+          </p:cNvSpPr>
+          <p:nvPr>
+            <p:ph type="title"/>
+          </p:nvPr>
+        </p:nvSpPr>
+        <p:spPr/>
+        <p:txBody>
+          <a:bodyPr/>
+          <a:lstStyle/>
+          <a:p>
+            <a:r>
+              <a:rPr lang="en-US" dirty="0"/>
+              <a:t>Applications of AI in Our World</a:t>
+            </a:r>
+          </a:p>
+        </p:txBody>
+      </p:sp>
+      <p:sp>
+        <p:nvSpPr>
+          <p:cNvPr id="3" name="Content Placeholder 2">
+            <a:extLst>
+              <a:ext uri="{FF2B5EF4-FFF2-40B4-BE49-F238E27FC236}">
+                <a16:creationId xmlns:a16="http://schemas.microsoft.com/office/drawing/2014/main" id="{C3674C45-932A-CE45-8612-78DBA9CCFC72}"/>
+              </a:ext>
+            </a:extLst>
+          </p:cNvPr>
+          <p:cNvSpPr>
+            <a:spLocks noGrp="1"/>
+          </p:cNvSpPr>
+          <p:nvPr>
+            <p:ph idx="1"/>
+          </p:nvPr>
+        </p:nvSpPr>
+        <p:spPr/>
+        <p:txBody>
+          <a:bodyPr/>
+          <a:lstStyle/>
+          <a:p>
+            <a:pPr marL="0" marR="0">
+              <a:spcBef>
+                <a:spcPts val="1500"/>
+              </a:spcBef>
+              <a:spcAft>
+                <a:spcPts val="1500"/>
+              </a:spcAft>
+            </a:pPr>
+            <a:r>
+              <a:rPr lang="en-US" sz="1800" b="1" dirty="0">
+                <a:effectLst/>
+                <a:latin typeface="Segoe UI" panose="020B0502040204020203" pitchFamily="34" charset="0"/>
+                <a:ea typeface="Times New Roman" panose="02020603050405020304" pitchFamily="18" charset="0"/>
+              </a:rPr>
+              <a:t>Finance:</a:t>
+            </a:r>
+            <a:endParaRPr lang="en-US" sz="1800" dirty="0">
+              <a:effectLst/>
+              <a:latin typeface="Times New Roman" panose="02020603050405020304" pitchFamily="18" charset="0"/>
+              <a:ea typeface="Times New Roman" panose="02020603050405020304" pitchFamily="18" charset="0"/>
+            </a:endParaRPr>
+          </a:p>
+          <a:p>
+            <a:pPr marL="342900" marR="0" lvl="0" indent="-342900">
+              <a:spcBef>
+                <a:spcPts val="0"/>
+              </a:spcBef>
+              <a:spcAft>
+                <a:spcPts val="0"/>
+              </a:spcAft>
+              <a:buSzPts val="1000"/>
+              <a:buFont typeface="Symbol" pitchFamily="2" charset="2"/>
+              <a:buChar char=""/>
+              <a:tabLst>
+                <a:tab pos="457200" algn="l"/>
+              </a:tabLst>
+            </a:pPr>
+            <a:r>
+              <a:rPr lang="en-US" sz="1800" b="1" dirty="0">
+                <a:effectLst/>
+                <a:latin typeface="Segoe UI" panose="020B0502040204020203" pitchFamily="34" charset="0"/>
+                <a:ea typeface="Times New Roman" panose="02020603050405020304" pitchFamily="18" charset="0"/>
+              </a:rPr>
+              <a:t>Algorithmic Trading:</a:t>
+            </a:r>
+            <a:r>
+              <a:rPr lang="en-US" sz="1800" dirty="0">
+                <a:effectLst/>
+                <a:latin typeface="Segoe UI" panose="020B0502040204020203" pitchFamily="34" charset="0"/>
+                <a:ea typeface="Times New Roman" panose="02020603050405020304" pitchFamily="18" charset="0"/>
+              </a:rPr>
+              <a:t> Employing algorithms to analyze market trends and execute trades at high speeds, optimizing financial outcomes.</a:t>
+            </a:r>
+          </a:p>
+          <a:p>
+            <a:pPr marL="0" marR="0" lvl="0" indent="0">
+              <a:spcBef>
+                <a:spcPts val="0"/>
+              </a:spcBef>
+              <a:spcAft>
+                <a:spcPts val="0"/>
+              </a:spcAft>
+              <a:buSzPts val="1000"/>
+              <a:buNone/>
+              <a:tabLst>
+                <a:tab pos="457200" algn="l"/>
+              </a:tabLst>
+            </a:pPr>
+            <a:endParaRPr lang="en-US" sz="1800" dirty="0">
+              <a:effectLst/>
+              <a:latin typeface="Times New Roman" panose="02020603050405020304" pitchFamily="18" charset="0"/>
+              <a:ea typeface="Times New Roman" panose="02020603050405020304" pitchFamily="18" charset="0"/>
+            </a:endParaRPr>
+          </a:p>
+          <a:p>
+            <a:pPr marL="342900" marR="0" lvl="0" indent="-342900">
+              <a:spcBef>
+                <a:spcPts val="0"/>
+              </a:spcBef>
+              <a:spcAft>
+                <a:spcPts val="0"/>
+              </a:spcAft>
+              <a:buSzPts val="1000"/>
+              <a:buFont typeface="Symbol" pitchFamily="2" charset="2"/>
+              <a:buChar char=""/>
+              <a:tabLst>
+                <a:tab pos="457200" algn="l"/>
+              </a:tabLst>
+            </a:pPr>
+            <a:r>
+              <a:rPr lang="en-US" sz="1800" b="1" dirty="0">
+                <a:effectLst/>
+                <a:latin typeface="Segoe UI" panose="020B0502040204020203" pitchFamily="34" charset="0"/>
+                <a:ea typeface="Times New Roman" panose="02020603050405020304" pitchFamily="18" charset="0"/>
+              </a:rPr>
+              <a:t>Fraud Detection:</a:t>
+            </a:r>
+            <a:r>
+              <a:rPr lang="en-US" sz="1800" dirty="0">
+                <a:effectLst/>
+                <a:latin typeface="Segoe UI" panose="020B0502040204020203" pitchFamily="34" charset="0"/>
+                <a:ea typeface="Times New Roman" panose="02020603050405020304" pitchFamily="18" charset="0"/>
+              </a:rPr>
+              <a:t> AI systems can detect unusual patterns and activities within financial data, providing alerts related to potential fraud.</a:t>
+            </a:r>
+          </a:p>
+          <a:p>
+            <a:pPr marL="0" marR="0" lvl="0" indent="0">
+              <a:spcBef>
+                <a:spcPts val="0"/>
+              </a:spcBef>
+              <a:spcAft>
+                <a:spcPts val="0"/>
+              </a:spcAft>
+              <a:buSzPts val="1000"/>
+              <a:buNone/>
+              <a:tabLst>
+                <a:tab pos="457200" algn="l"/>
+              </a:tabLst>
+            </a:pPr>
+            <a:endParaRPr lang="en-US" sz="1800" dirty="0">
+              <a:effectLst/>
+              <a:latin typeface="Times New Roman" panose="02020603050405020304" pitchFamily="18" charset="0"/>
+              <a:ea typeface="Times New Roman" panose="02020603050405020304" pitchFamily="18" charset="0"/>
+            </a:endParaRPr>
+          </a:p>
+          <a:p>
+            <a:pPr marL="342900" marR="0" lvl="0" indent="-342900">
+              <a:spcBef>
+                <a:spcPts val="0"/>
+              </a:spcBef>
+              <a:spcAft>
+                <a:spcPts val="0"/>
+              </a:spcAft>
+              <a:buSzPts val="1000"/>
+              <a:buFont typeface="Symbol" pitchFamily="2" charset="2"/>
+              <a:buChar char=""/>
+              <a:tabLst>
+                <a:tab pos="457200" algn="l"/>
+              </a:tabLst>
+            </a:pPr>
+            <a:r>
+              <a:rPr lang="en-US" sz="1800" b="1" dirty="0">
+                <a:effectLst/>
+                <a:latin typeface="Segoe UI" panose="020B0502040204020203" pitchFamily="34" charset="0"/>
+                <a:ea typeface="Times New Roman" panose="02020603050405020304" pitchFamily="18" charset="0"/>
+              </a:rPr>
+              <a:t>Customer Service:</a:t>
+            </a:r>
+            <a:r>
+              <a:rPr lang="en-US" sz="1800" dirty="0">
+                <a:effectLst/>
+                <a:latin typeface="Segoe UI" panose="020B0502040204020203" pitchFamily="34" charset="0"/>
+                <a:ea typeface="Times New Roman" panose="02020603050405020304" pitchFamily="18" charset="0"/>
+              </a:rPr>
+              <a:t> Chatbots and virtual assistants cater to customer inquiries and perform tasks like managing accounts and processing transactions.</a:t>
+            </a:r>
+            <a:endParaRPr lang="en-US" sz="1800" dirty="0">
+              <a:effectLst/>
+              <a:latin typeface="Times New Roman" panose="02020603050405020304" pitchFamily="18" charset="0"/>
+              <a:ea typeface="Times New Roman" panose="02020603050405020304" pitchFamily="18" charset="0"/>
+            </a:endParaRPr>
+          </a:p>
+          <a:p>
+            <a:pPr marL="0" marR="0">
+              <a:spcBef>
+                <a:spcPts val="0"/>
+              </a:spcBef>
+              <a:spcAft>
+                <a:spcPts val="1500"/>
+              </a:spcAft>
+            </a:pPr>
+            <a:endParaRPr lang="en-US" sz="1800" dirty="0">
+              <a:effectLst/>
+              <a:latin typeface="Times New Roman" panose="02020603050405020304" pitchFamily="18" charset="0"/>
+              <a:ea typeface="Times New Roman" panose="02020603050405020304" pitchFamily="18" charset="0"/>
+            </a:endParaRPr>
+          </a:p>
+        </p:txBody>
+      </p:sp>
+    </p:spTree>
+    <p:extLst>
+      <p:ext uri="{BB962C8B-B14F-4D97-AF65-F5344CB8AC3E}">
+        <p14:creationId xmlns:p14="http://schemas.microsoft.com/office/powerpoint/2010/main" val="3724977651"/>
+      </p:ext>
+    </p:extLst>
+  </p:cSld>
+  <p:clrMapOvr>
+    <a:masterClrMapping/>
+  </p:clrMapOvr>
+</p:sld>
+</file>
+
+<file path=ppt/slides/slide37.xml><?xml version="1.0" encoding="utf-8"?>
+<p:sld xmlns:a="http://schemas.openxmlformats.org/drawingml/2006/main" xmlns:r="http://schemas.openxmlformats.org/officeDocument/2006/relationships" xmlns:p="http://schemas.openxmlformats.org/presentationml/2006/main">
+  <p:cSld>
+    <p:spTree>
+      <p:nvGrpSpPr>
+        <p:cNvPr id="1" name=""/>
+        <p:cNvGrpSpPr/>
+        <p:nvPr/>
+      </p:nvGrpSpPr>
+      <p:grpSpPr>
+        <a:xfrm>
+          <a:off x="0" y="0"/>
+          <a:ext cx="0" cy="0"/>
+          <a:chOff x="0" y="0"/>
+          <a:chExt cx="0" cy="0"/>
+        </a:xfrm>
+      </p:grpSpPr>
+      <p:sp>
+        <p:nvSpPr>
+          <p:cNvPr id="2" name="Title 1">
+            <a:extLst>
+              <a:ext uri="{FF2B5EF4-FFF2-40B4-BE49-F238E27FC236}">
+                <a16:creationId xmlns:a16="http://schemas.microsoft.com/office/drawing/2014/main" id="{E6B88AEB-17AF-D756-F9EE-991030F2E832}"/>
+              </a:ext>
+            </a:extLst>
+          </p:cNvPr>
+          <p:cNvSpPr>
+            <a:spLocks noGrp="1"/>
+          </p:cNvSpPr>
+          <p:nvPr>
+            <p:ph type="title"/>
+          </p:nvPr>
+        </p:nvSpPr>
+        <p:spPr/>
+        <p:txBody>
+          <a:bodyPr/>
+          <a:lstStyle/>
+          <a:p>
+            <a:r>
+              <a:rPr lang="en-US" dirty="0"/>
+              <a:t>Applications of AI in Our World</a:t>
+            </a:r>
+          </a:p>
+        </p:txBody>
+      </p:sp>
+      <p:sp>
+        <p:nvSpPr>
+          <p:cNvPr id="3" name="Content Placeholder 2">
+            <a:extLst>
+              <a:ext uri="{FF2B5EF4-FFF2-40B4-BE49-F238E27FC236}">
+                <a16:creationId xmlns:a16="http://schemas.microsoft.com/office/drawing/2014/main" id="{C3674C45-932A-CE45-8612-78DBA9CCFC72}"/>
+              </a:ext>
+            </a:extLst>
+          </p:cNvPr>
+          <p:cNvSpPr>
+            <a:spLocks noGrp="1"/>
+          </p:cNvSpPr>
+          <p:nvPr>
+            <p:ph idx="1"/>
+          </p:nvPr>
+        </p:nvSpPr>
+        <p:spPr/>
+        <p:txBody>
+          <a:bodyPr/>
+          <a:lstStyle/>
+          <a:p>
+            <a:pPr marL="0" marR="0">
+              <a:spcBef>
+                <a:spcPts val="1500"/>
+              </a:spcBef>
+              <a:spcAft>
+                <a:spcPts val="1500"/>
+              </a:spcAft>
+            </a:pPr>
+            <a:r>
+              <a:rPr lang="en-US" sz="1800" b="1" dirty="0">
+                <a:effectLst/>
+                <a:latin typeface="Segoe UI" panose="020B0502040204020203" pitchFamily="34" charset="0"/>
+                <a:ea typeface="Times New Roman" panose="02020603050405020304" pitchFamily="18" charset="0"/>
+              </a:rPr>
+              <a:t>Manufacturing:</a:t>
+            </a:r>
+            <a:endParaRPr lang="en-US" sz="1800" dirty="0">
+              <a:effectLst/>
+              <a:latin typeface="Times New Roman" panose="02020603050405020304" pitchFamily="18" charset="0"/>
+              <a:ea typeface="Times New Roman" panose="02020603050405020304" pitchFamily="18" charset="0"/>
+            </a:endParaRPr>
+          </a:p>
+          <a:p>
+            <a:pPr marL="342900" marR="0" lvl="0" indent="-342900">
+              <a:spcBef>
+                <a:spcPts val="0"/>
+              </a:spcBef>
+              <a:spcAft>
+                <a:spcPts val="0"/>
+              </a:spcAft>
+              <a:buSzPts val="1000"/>
+              <a:buFont typeface="Symbol" pitchFamily="2" charset="2"/>
+              <a:buChar char=""/>
+              <a:tabLst>
+                <a:tab pos="457200" algn="l"/>
+              </a:tabLst>
+            </a:pPr>
+            <a:r>
+              <a:rPr lang="en-US" sz="1800" b="1" dirty="0">
+                <a:effectLst/>
+                <a:latin typeface="Segoe UI" panose="020B0502040204020203" pitchFamily="34" charset="0"/>
+                <a:ea typeface="Times New Roman" panose="02020603050405020304" pitchFamily="18" charset="0"/>
+              </a:rPr>
+              <a:t>Quality Control:</a:t>
+            </a:r>
+            <a:r>
+              <a:rPr lang="en-US" sz="1800" dirty="0">
+                <a:effectLst/>
+                <a:latin typeface="Segoe UI" panose="020B0502040204020203" pitchFamily="34" charset="0"/>
+                <a:ea typeface="Times New Roman" panose="02020603050405020304" pitchFamily="18" charset="0"/>
+              </a:rPr>
+              <a:t> AI-driven systems monitor production lines, identifying and correcting imperfections, ensuring product quality.</a:t>
+            </a:r>
+          </a:p>
+          <a:p>
+            <a:pPr marL="0" marR="0" lvl="0" indent="0">
+              <a:spcBef>
+                <a:spcPts val="0"/>
+              </a:spcBef>
+              <a:spcAft>
+                <a:spcPts val="0"/>
+              </a:spcAft>
+              <a:buSzPts val="1000"/>
+              <a:buNone/>
+              <a:tabLst>
+                <a:tab pos="457200" algn="l"/>
+              </a:tabLst>
+            </a:pPr>
+            <a:endParaRPr lang="en-US" sz="1800" dirty="0">
+              <a:effectLst/>
+              <a:latin typeface="Times New Roman" panose="02020603050405020304" pitchFamily="18" charset="0"/>
+              <a:ea typeface="Times New Roman" panose="02020603050405020304" pitchFamily="18" charset="0"/>
+            </a:endParaRPr>
+          </a:p>
+          <a:p>
+            <a:pPr marL="342900" marR="0" lvl="0" indent="-342900">
+              <a:spcBef>
+                <a:spcPts val="0"/>
+              </a:spcBef>
+              <a:spcAft>
+                <a:spcPts val="0"/>
+              </a:spcAft>
+              <a:buSzPts val="1000"/>
+              <a:buFont typeface="Symbol" pitchFamily="2" charset="2"/>
+              <a:buChar char=""/>
+              <a:tabLst>
+                <a:tab pos="457200" algn="l"/>
+              </a:tabLst>
+            </a:pPr>
+            <a:r>
+              <a:rPr lang="en-US" sz="1800" b="1" dirty="0">
+                <a:effectLst/>
+                <a:latin typeface="Segoe UI" panose="020B0502040204020203" pitchFamily="34" charset="0"/>
+                <a:ea typeface="Times New Roman" panose="02020603050405020304" pitchFamily="18" charset="0"/>
+              </a:rPr>
+              <a:t>Supply Chain Optimization:</a:t>
+            </a:r>
+            <a:r>
+              <a:rPr lang="en-US" sz="1800" dirty="0">
+                <a:effectLst/>
+                <a:latin typeface="Segoe UI" panose="020B0502040204020203" pitchFamily="34" charset="0"/>
+                <a:ea typeface="Times New Roman" panose="02020603050405020304" pitchFamily="18" charset="0"/>
+              </a:rPr>
+              <a:t> AI analyzes data to optimize inventory management and streamline supply chains, reducing operational costs.</a:t>
+            </a:r>
+          </a:p>
+          <a:p>
+            <a:pPr marL="0" marR="0" lvl="0" indent="0">
+              <a:spcBef>
+                <a:spcPts val="0"/>
+              </a:spcBef>
+              <a:spcAft>
+                <a:spcPts val="0"/>
+              </a:spcAft>
+              <a:buSzPts val="1000"/>
+              <a:buNone/>
+              <a:tabLst>
+                <a:tab pos="457200" algn="l"/>
+              </a:tabLst>
+            </a:pPr>
+            <a:endParaRPr lang="en-US" sz="1800" dirty="0">
+              <a:effectLst/>
+              <a:latin typeface="Times New Roman" panose="02020603050405020304" pitchFamily="18" charset="0"/>
+              <a:ea typeface="Times New Roman" panose="02020603050405020304" pitchFamily="18" charset="0"/>
+            </a:endParaRPr>
+          </a:p>
+          <a:p>
+            <a:pPr marL="342900" marR="0" lvl="0" indent="-342900">
+              <a:spcBef>
+                <a:spcPts val="0"/>
+              </a:spcBef>
+              <a:spcAft>
+                <a:spcPts val="0"/>
+              </a:spcAft>
+              <a:buSzPts val="1000"/>
+              <a:buFont typeface="Symbol" pitchFamily="2" charset="2"/>
+              <a:buChar char=""/>
+              <a:tabLst>
+                <a:tab pos="457200" algn="l"/>
+              </a:tabLst>
+            </a:pPr>
+            <a:r>
+              <a:rPr lang="en-US" sz="1800" b="1" dirty="0">
+                <a:effectLst/>
+                <a:latin typeface="Segoe UI" panose="020B0502040204020203" pitchFamily="34" charset="0"/>
+                <a:ea typeface="Times New Roman" panose="02020603050405020304" pitchFamily="18" charset="0"/>
+              </a:rPr>
+              <a:t>Predictive Maintenance:</a:t>
+            </a:r>
+            <a:r>
+              <a:rPr lang="en-US" sz="1800" dirty="0">
+                <a:effectLst/>
+                <a:latin typeface="Segoe UI" panose="020B0502040204020203" pitchFamily="34" charset="0"/>
+                <a:ea typeface="Times New Roman" panose="02020603050405020304" pitchFamily="18" charset="0"/>
+              </a:rPr>
+              <a:t> Utilizing AI to predict when machinery is likely to fail or require maintenance, minimizing downtime.</a:t>
+            </a:r>
+            <a:endParaRPr lang="en-US" sz="1800" dirty="0">
+              <a:effectLst/>
+              <a:latin typeface="Times New Roman" panose="02020603050405020304" pitchFamily="18" charset="0"/>
+              <a:ea typeface="Times New Roman" panose="02020603050405020304" pitchFamily="18" charset="0"/>
+            </a:endParaRPr>
+          </a:p>
+          <a:p>
+            <a:pPr marL="0" marR="0">
+              <a:spcBef>
+                <a:spcPts val="0"/>
+              </a:spcBef>
+              <a:spcAft>
+                <a:spcPts val="1500"/>
+              </a:spcAft>
+            </a:pPr>
+            <a:endParaRPr lang="en-US" sz="1800" dirty="0">
+              <a:effectLst/>
+              <a:latin typeface="Times New Roman" panose="02020603050405020304" pitchFamily="18" charset="0"/>
+              <a:ea typeface="Times New Roman" panose="02020603050405020304" pitchFamily="18" charset="0"/>
+            </a:endParaRPr>
+          </a:p>
+        </p:txBody>
+      </p:sp>
+    </p:spTree>
+    <p:extLst>
+      <p:ext uri="{BB962C8B-B14F-4D97-AF65-F5344CB8AC3E}">
+        <p14:creationId xmlns:p14="http://schemas.microsoft.com/office/powerpoint/2010/main" val="509129391"/>
+      </p:ext>
+    </p:extLst>
+  </p:cSld>
+  <p:clrMapOvr>
+    <a:masterClrMapping/>
+  </p:clrMapOvr>
+</p:sld>
+</file>
+
+<file path=ppt/slides/slide38.xml><?xml version="1.0" encoding="utf-8"?>
+<p:sld xmlns:a="http://schemas.openxmlformats.org/drawingml/2006/main" xmlns:r="http://schemas.openxmlformats.org/officeDocument/2006/relationships" xmlns:p="http://schemas.openxmlformats.org/presentationml/2006/main">
+  <p:cSld>
+    <p:spTree>
+      <p:nvGrpSpPr>
+        <p:cNvPr id="1" name=""/>
+        <p:cNvGrpSpPr/>
+        <p:nvPr/>
+      </p:nvGrpSpPr>
+      <p:grpSpPr>
+        <a:xfrm>
+          <a:off x="0" y="0"/>
+          <a:ext cx="0" cy="0"/>
+          <a:chOff x="0" y="0"/>
+          <a:chExt cx="0" cy="0"/>
+        </a:xfrm>
+      </p:grpSpPr>
+      <p:sp>
+        <p:nvSpPr>
+          <p:cNvPr id="2" name="Title 1">
+            <a:extLst>
+              <a:ext uri="{FF2B5EF4-FFF2-40B4-BE49-F238E27FC236}">
+                <a16:creationId xmlns:a16="http://schemas.microsoft.com/office/drawing/2014/main" id="{E6B88AEB-17AF-D756-F9EE-991030F2E832}"/>
+              </a:ext>
+            </a:extLst>
+          </p:cNvPr>
+          <p:cNvSpPr>
+            <a:spLocks noGrp="1"/>
+          </p:cNvSpPr>
+          <p:nvPr>
+            <p:ph type="title"/>
+          </p:nvPr>
+        </p:nvSpPr>
+        <p:spPr/>
+        <p:txBody>
+          <a:bodyPr/>
+          <a:lstStyle/>
+          <a:p>
+            <a:r>
+              <a:rPr lang="en-US" dirty="0"/>
+              <a:t>Applications of AI in Our World</a:t>
+            </a:r>
+          </a:p>
+        </p:txBody>
+      </p:sp>
+      <p:sp>
+        <p:nvSpPr>
+          <p:cNvPr id="3" name="Content Placeholder 2">
+            <a:extLst>
+              <a:ext uri="{FF2B5EF4-FFF2-40B4-BE49-F238E27FC236}">
+                <a16:creationId xmlns:a16="http://schemas.microsoft.com/office/drawing/2014/main" id="{C3674C45-932A-CE45-8612-78DBA9CCFC72}"/>
+              </a:ext>
+            </a:extLst>
+          </p:cNvPr>
+          <p:cNvSpPr>
+            <a:spLocks noGrp="1"/>
+          </p:cNvSpPr>
+          <p:nvPr>
+            <p:ph idx="1"/>
+          </p:nvPr>
+        </p:nvSpPr>
+        <p:spPr/>
+        <p:txBody>
+          <a:bodyPr/>
+          <a:lstStyle/>
+          <a:p>
+            <a:pPr marL="0" marR="0">
+              <a:spcBef>
+                <a:spcPts val="1500"/>
+              </a:spcBef>
+              <a:spcAft>
+                <a:spcPts val="1500"/>
+              </a:spcAft>
+            </a:pPr>
+            <a:r>
+              <a:rPr lang="en-US" sz="1800" b="1" dirty="0">
+                <a:effectLst/>
+                <a:latin typeface="Segoe UI" panose="020B0502040204020203" pitchFamily="34" charset="0"/>
+                <a:ea typeface="Times New Roman" panose="02020603050405020304" pitchFamily="18" charset="0"/>
+              </a:rPr>
+              <a:t>Retail:</a:t>
+            </a:r>
+            <a:endParaRPr lang="en-US" sz="1800" dirty="0">
+              <a:effectLst/>
+              <a:latin typeface="Times New Roman" panose="02020603050405020304" pitchFamily="18" charset="0"/>
+              <a:ea typeface="Times New Roman" panose="02020603050405020304" pitchFamily="18" charset="0"/>
+            </a:endParaRPr>
+          </a:p>
+          <a:p>
+            <a:pPr marL="342900" marR="0" lvl="0" indent="-342900">
+              <a:spcBef>
+                <a:spcPts val="0"/>
+              </a:spcBef>
+              <a:spcAft>
+                <a:spcPts val="0"/>
+              </a:spcAft>
+              <a:buSzPts val="1000"/>
+              <a:buFont typeface="Symbol" pitchFamily="2" charset="2"/>
+              <a:buChar char=""/>
+              <a:tabLst>
+                <a:tab pos="457200" algn="l"/>
+              </a:tabLst>
+            </a:pPr>
+            <a:r>
+              <a:rPr lang="en-US" sz="1800" b="1" dirty="0">
+                <a:effectLst/>
+                <a:latin typeface="Segoe UI" panose="020B0502040204020203" pitchFamily="34" charset="0"/>
+                <a:ea typeface="Times New Roman" panose="02020603050405020304" pitchFamily="18" charset="0"/>
+              </a:rPr>
+              <a:t>Customer Experience:</a:t>
+            </a:r>
+            <a:r>
+              <a:rPr lang="en-US" sz="1800" dirty="0">
+                <a:effectLst/>
+                <a:latin typeface="Segoe UI" panose="020B0502040204020203" pitchFamily="34" charset="0"/>
+                <a:ea typeface="Times New Roman" panose="02020603050405020304" pitchFamily="18" charset="0"/>
+              </a:rPr>
+              <a:t> AI empowers retailers to offer personalized shopping experiences through recommendation engines and personalized marketing.</a:t>
+            </a:r>
+          </a:p>
+          <a:p>
+            <a:pPr marL="0" marR="0" lvl="0" indent="0">
+              <a:spcBef>
+                <a:spcPts val="0"/>
+              </a:spcBef>
+              <a:spcAft>
+                <a:spcPts val="0"/>
+              </a:spcAft>
+              <a:buSzPts val="1000"/>
+              <a:buNone/>
+              <a:tabLst>
+                <a:tab pos="457200" algn="l"/>
+              </a:tabLst>
+            </a:pPr>
+            <a:endParaRPr lang="en-US" sz="1800" dirty="0">
+              <a:effectLst/>
+              <a:latin typeface="Times New Roman" panose="02020603050405020304" pitchFamily="18" charset="0"/>
+              <a:ea typeface="Times New Roman" panose="02020603050405020304" pitchFamily="18" charset="0"/>
+            </a:endParaRPr>
+          </a:p>
+          <a:p>
+            <a:pPr marL="342900" marR="0" lvl="0" indent="-342900">
+              <a:spcBef>
+                <a:spcPts val="0"/>
+              </a:spcBef>
+              <a:spcAft>
+                <a:spcPts val="0"/>
+              </a:spcAft>
+              <a:buSzPts val="1000"/>
+              <a:buFont typeface="Symbol" pitchFamily="2" charset="2"/>
+              <a:buChar char=""/>
+              <a:tabLst>
+                <a:tab pos="457200" algn="l"/>
+              </a:tabLst>
+            </a:pPr>
+            <a:r>
+              <a:rPr lang="en-US" sz="1800" b="1" dirty="0">
+                <a:effectLst/>
+                <a:latin typeface="Segoe UI" panose="020B0502040204020203" pitchFamily="34" charset="0"/>
+                <a:ea typeface="Times New Roman" panose="02020603050405020304" pitchFamily="18" charset="0"/>
+              </a:rPr>
+              <a:t>Inventory Management:</a:t>
+            </a:r>
+            <a:r>
+              <a:rPr lang="en-US" sz="1800" dirty="0">
+                <a:effectLst/>
+                <a:latin typeface="Segoe UI" panose="020B0502040204020203" pitchFamily="34" charset="0"/>
+                <a:ea typeface="Times New Roman" panose="02020603050405020304" pitchFamily="18" charset="0"/>
+              </a:rPr>
+              <a:t> Automating inventory control ensures optimal stock levels, reducing carrying costs, and preventing stockouts.</a:t>
+            </a:r>
+          </a:p>
+          <a:p>
+            <a:pPr marL="0" marR="0" lvl="0" indent="0">
+              <a:spcBef>
+                <a:spcPts val="0"/>
+              </a:spcBef>
+              <a:spcAft>
+                <a:spcPts val="0"/>
+              </a:spcAft>
+              <a:buSzPts val="1000"/>
+              <a:buNone/>
+              <a:tabLst>
+                <a:tab pos="457200" algn="l"/>
+              </a:tabLst>
+            </a:pPr>
+            <a:endParaRPr lang="en-US" sz="1800" dirty="0">
+              <a:effectLst/>
+              <a:latin typeface="Times New Roman" panose="02020603050405020304" pitchFamily="18" charset="0"/>
+              <a:ea typeface="Times New Roman" panose="02020603050405020304" pitchFamily="18" charset="0"/>
+            </a:endParaRPr>
+          </a:p>
+          <a:p>
+            <a:pPr marL="342900" marR="0" lvl="0" indent="-342900">
+              <a:spcBef>
+                <a:spcPts val="0"/>
+              </a:spcBef>
+              <a:spcAft>
+                <a:spcPts val="0"/>
+              </a:spcAft>
+              <a:buSzPts val="1000"/>
+              <a:buFont typeface="Symbol" pitchFamily="2" charset="2"/>
+              <a:buChar char=""/>
+              <a:tabLst>
+                <a:tab pos="457200" algn="l"/>
+              </a:tabLst>
+            </a:pPr>
+            <a:r>
+              <a:rPr lang="en-US" sz="1800" b="1" dirty="0">
+                <a:effectLst/>
+                <a:latin typeface="Segoe UI" panose="020B0502040204020203" pitchFamily="34" charset="0"/>
+                <a:ea typeface="Times New Roman" panose="02020603050405020304" pitchFamily="18" charset="0"/>
+              </a:rPr>
+              <a:t>Virtual Try-Ons:</a:t>
+            </a:r>
+            <a:r>
+              <a:rPr lang="en-US" sz="1800" dirty="0">
+                <a:effectLst/>
+                <a:latin typeface="Segoe UI" panose="020B0502040204020203" pitchFamily="34" charset="0"/>
+                <a:ea typeface="Times New Roman" panose="02020603050405020304" pitchFamily="18" charset="0"/>
+              </a:rPr>
+              <a:t> Augmented Reality (AR) and AI enable customers to virtually try on products, enhancing online shopping experiences.</a:t>
+            </a:r>
+            <a:endParaRPr lang="en-US" sz="1800" dirty="0">
+              <a:effectLst/>
+              <a:latin typeface="Times New Roman" panose="02020603050405020304" pitchFamily="18" charset="0"/>
+              <a:ea typeface="Times New Roman" panose="02020603050405020304" pitchFamily="18" charset="0"/>
+            </a:endParaRPr>
+          </a:p>
+          <a:p>
+            <a:pPr marL="0" marR="0">
+              <a:spcBef>
+                <a:spcPts val="0"/>
+              </a:spcBef>
+              <a:spcAft>
+                <a:spcPts val="1500"/>
+              </a:spcAft>
+            </a:pPr>
+            <a:endParaRPr lang="en-US" sz="1800" dirty="0">
+              <a:effectLst/>
+              <a:latin typeface="Times New Roman" panose="02020603050405020304" pitchFamily="18" charset="0"/>
+              <a:ea typeface="Times New Roman" panose="02020603050405020304" pitchFamily="18" charset="0"/>
+            </a:endParaRPr>
+          </a:p>
+        </p:txBody>
+      </p:sp>
+    </p:spTree>
+    <p:extLst>
+      <p:ext uri="{BB962C8B-B14F-4D97-AF65-F5344CB8AC3E}">
+        <p14:creationId xmlns:p14="http://schemas.microsoft.com/office/powerpoint/2010/main" val="2912913568"/>
+      </p:ext>
+    </p:extLst>
+  </p:cSld>
+  <p:clrMapOvr>
+    <a:masterClrMapping/>
+  </p:clrMapOvr>
+</p:sld>
+</file>
+
+<file path=ppt/slides/slide39.xml><?xml version="1.0" encoding="utf-8"?>
+<p:sld xmlns:a="http://schemas.openxmlformats.org/drawingml/2006/main" xmlns:r="http://schemas.openxmlformats.org/officeDocument/2006/relationships" xmlns:p="http://schemas.openxmlformats.org/presentationml/2006/main">
+  <p:cSld>
+    <p:spTree>
+      <p:nvGrpSpPr>
+        <p:cNvPr id="1" name=""/>
+        <p:cNvGrpSpPr/>
+        <p:nvPr/>
+      </p:nvGrpSpPr>
+      <p:grpSpPr>
+        <a:xfrm>
+          <a:off x="0" y="0"/>
+          <a:ext cx="0" cy="0"/>
+          <a:chOff x="0" y="0"/>
+          <a:chExt cx="0" cy="0"/>
+        </a:xfrm>
+      </p:grpSpPr>
+      <p:sp>
+        <p:nvSpPr>
+          <p:cNvPr id="2" name="Title 1">
+            <a:extLst>
+              <a:ext uri="{FF2B5EF4-FFF2-40B4-BE49-F238E27FC236}">
+                <a16:creationId xmlns:a16="http://schemas.microsoft.com/office/drawing/2014/main" id="{E6B88AEB-17AF-D756-F9EE-991030F2E832}"/>
+              </a:ext>
+            </a:extLst>
+          </p:cNvPr>
+          <p:cNvSpPr>
+            <a:spLocks noGrp="1"/>
+          </p:cNvSpPr>
+          <p:nvPr>
+            <p:ph type="title"/>
+          </p:nvPr>
+        </p:nvSpPr>
+        <p:spPr/>
+        <p:txBody>
+          <a:bodyPr/>
+          <a:lstStyle/>
+          <a:p>
+            <a:r>
+              <a:rPr lang="en-US" dirty="0"/>
+              <a:t>Applications of AI in Our World</a:t>
+            </a:r>
+          </a:p>
+        </p:txBody>
+      </p:sp>
+      <p:sp>
+        <p:nvSpPr>
+          <p:cNvPr id="3" name="Content Placeholder 2">
+            <a:extLst>
+              <a:ext uri="{FF2B5EF4-FFF2-40B4-BE49-F238E27FC236}">
+                <a16:creationId xmlns:a16="http://schemas.microsoft.com/office/drawing/2014/main" id="{C3674C45-932A-CE45-8612-78DBA9CCFC72}"/>
+              </a:ext>
+            </a:extLst>
+          </p:cNvPr>
+          <p:cNvSpPr>
+            <a:spLocks noGrp="1"/>
+          </p:cNvSpPr>
+          <p:nvPr>
+            <p:ph idx="1"/>
+          </p:nvPr>
+        </p:nvSpPr>
+        <p:spPr/>
+        <p:txBody>
+          <a:bodyPr/>
+          <a:lstStyle/>
+          <a:p>
+            <a:pPr marL="0" marR="0">
+              <a:spcBef>
+                <a:spcPts val="1500"/>
+              </a:spcBef>
+              <a:spcAft>
+                <a:spcPts val="1500"/>
+              </a:spcAft>
+            </a:pPr>
+            <a:r>
+              <a:rPr lang="en-US" sz="1800" b="1" dirty="0">
+                <a:effectLst/>
+                <a:latin typeface="Segoe UI" panose="020B0502040204020203" pitchFamily="34" charset="0"/>
+                <a:ea typeface="Times New Roman" panose="02020603050405020304" pitchFamily="18" charset="0"/>
+              </a:rPr>
+              <a:t>Transportation and Automotive:</a:t>
+            </a:r>
+            <a:endParaRPr lang="en-US" sz="1800" dirty="0">
+              <a:effectLst/>
+              <a:latin typeface="Times New Roman" panose="02020603050405020304" pitchFamily="18" charset="0"/>
+              <a:ea typeface="Times New Roman" panose="02020603050405020304" pitchFamily="18" charset="0"/>
+            </a:endParaRPr>
+          </a:p>
+          <a:p>
+            <a:pPr marL="342900" marR="0" lvl="0" indent="-342900">
+              <a:spcBef>
+                <a:spcPts val="0"/>
+              </a:spcBef>
+              <a:spcAft>
+                <a:spcPts val="0"/>
+              </a:spcAft>
+              <a:buSzPts val="1000"/>
+              <a:buFont typeface="Symbol" pitchFamily="2" charset="2"/>
+              <a:buChar char=""/>
+              <a:tabLst>
+                <a:tab pos="457200" algn="l"/>
+              </a:tabLst>
+            </a:pPr>
+            <a:r>
+              <a:rPr lang="en-US" sz="1800" b="1" dirty="0">
+                <a:effectLst/>
+                <a:latin typeface="Segoe UI" panose="020B0502040204020203" pitchFamily="34" charset="0"/>
+                <a:ea typeface="Times New Roman" panose="02020603050405020304" pitchFamily="18" charset="0"/>
+              </a:rPr>
+              <a:t>Autonomous Vehicles:</a:t>
+            </a:r>
+            <a:r>
+              <a:rPr lang="en-US" sz="1800" dirty="0">
+                <a:effectLst/>
+                <a:latin typeface="Segoe UI" panose="020B0502040204020203" pitchFamily="34" charset="0"/>
+                <a:ea typeface="Times New Roman" panose="02020603050405020304" pitchFamily="18" charset="0"/>
+              </a:rPr>
+              <a:t> Self-driving cars utilize AI to interpret sensor data, make decisions, and navigate roads with minimal human intervention.</a:t>
+            </a:r>
+          </a:p>
+          <a:p>
+            <a:pPr marL="342900" marR="0" lvl="0" indent="-342900">
+              <a:spcBef>
+                <a:spcPts val="0"/>
+              </a:spcBef>
+              <a:spcAft>
+                <a:spcPts val="0"/>
+              </a:spcAft>
+              <a:buSzPts val="1000"/>
+              <a:buFont typeface="Symbol" pitchFamily="2" charset="2"/>
+              <a:buChar char=""/>
+              <a:tabLst>
+                <a:tab pos="457200" algn="l"/>
+              </a:tabLst>
+            </a:pPr>
+            <a:endParaRPr lang="en-US" sz="1800" dirty="0">
+              <a:effectLst/>
+              <a:latin typeface="Times New Roman" panose="02020603050405020304" pitchFamily="18" charset="0"/>
+              <a:ea typeface="Times New Roman" panose="02020603050405020304" pitchFamily="18" charset="0"/>
+            </a:endParaRPr>
+          </a:p>
+          <a:p>
+            <a:pPr marL="342900" marR="0" lvl="0" indent="-342900">
+              <a:spcBef>
+                <a:spcPts val="0"/>
+              </a:spcBef>
+              <a:spcAft>
+                <a:spcPts val="0"/>
+              </a:spcAft>
+              <a:buSzPts val="1000"/>
+              <a:buFont typeface="Symbol" pitchFamily="2" charset="2"/>
+              <a:buChar char=""/>
+              <a:tabLst>
+                <a:tab pos="457200" algn="l"/>
+              </a:tabLst>
+            </a:pPr>
+            <a:r>
+              <a:rPr lang="en-US" sz="1800" b="1" dirty="0">
+                <a:effectLst/>
+                <a:latin typeface="Segoe UI" panose="020B0502040204020203" pitchFamily="34" charset="0"/>
+                <a:ea typeface="Times New Roman" panose="02020603050405020304" pitchFamily="18" charset="0"/>
+              </a:rPr>
+              <a:t>Traffic Management:</a:t>
+            </a:r>
+            <a:r>
+              <a:rPr lang="en-US" sz="1800" dirty="0">
+                <a:effectLst/>
+                <a:latin typeface="Segoe UI" panose="020B0502040204020203" pitchFamily="34" charset="0"/>
+                <a:ea typeface="Times New Roman" panose="02020603050405020304" pitchFamily="18" charset="0"/>
+              </a:rPr>
+              <a:t> AI algorithms optimize traffic flow through smart signal control, reducing congestion and enhancing mobility.</a:t>
+            </a:r>
+          </a:p>
+          <a:p>
+            <a:pPr marL="0" marR="0" lvl="0" indent="0">
+              <a:spcBef>
+                <a:spcPts val="0"/>
+              </a:spcBef>
+              <a:spcAft>
+                <a:spcPts val="0"/>
+              </a:spcAft>
+              <a:buSzPts val="1000"/>
+              <a:buNone/>
+              <a:tabLst>
+                <a:tab pos="457200" algn="l"/>
+              </a:tabLst>
+            </a:pPr>
+            <a:endParaRPr lang="en-US" sz="1800" dirty="0">
+              <a:effectLst/>
+              <a:latin typeface="Times New Roman" panose="02020603050405020304" pitchFamily="18" charset="0"/>
+              <a:ea typeface="Times New Roman" panose="02020603050405020304" pitchFamily="18" charset="0"/>
+            </a:endParaRPr>
+          </a:p>
+          <a:p>
+            <a:pPr marL="342900" marR="0" lvl="0" indent="-342900">
+              <a:spcBef>
+                <a:spcPts val="0"/>
+              </a:spcBef>
+              <a:spcAft>
+                <a:spcPts val="0"/>
+              </a:spcAft>
+              <a:buSzPts val="1000"/>
+              <a:buFont typeface="Symbol" pitchFamily="2" charset="2"/>
+              <a:buChar char=""/>
+              <a:tabLst>
+                <a:tab pos="457200" algn="l"/>
+              </a:tabLst>
+            </a:pPr>
+            <a:r>
+              <a:rPr lang="en-US" sz="1800" b="1" dirty="0">
+                <a:effectLst/>
+                <a:latin typeface="Segoe UI" panose="020B0502040204020203" pitchFamily="34" charset="0"/>
+                <a:ea typeface="Times New Roman" panose="02020603050405020304" pitchFamily="18" charset="0"/>
+              </a:rPr>
+              <a:t>Predictive Maintenance:</a:t>
+            </a:r>
+            <a:r>
+              <a:rPr lang="en-US" sz="1800" dirty="0">
+                <a:effectLst/>
+                <a:latin typeface="Segoe UI" panose="020B0502040204020203" pitchFamily="34" charset="0"/>
+                <a:ea typeface="Times New Roman" panose="02020603050405020304" pitchFamily="18" charset="0"/>
+              </a:rPr>
+              <a:t> AI predicts vehicle maintenance needs, enhancing reliability and reducing unexpected breakdowns.</a:t>
+            </a:r>
+            <a:endParaRPr lang="en-US" sz="1800" dirty="0">
+              <a:effectLst/>
+              <a:latin typeface="Times New Roman" panose="02020603050405020304" pitchFamily="18" charset="0"/>
+              <a:ea typeface="Times New Roman" panose="02020603050405020304" pitchFamily="18" charset="0"/>
+            </a:endParaRPr>
+          </a:p>
+          <a:p>
+            <a:pPr marL="0" marR="0">
+              <a:spcBef>
+                <a:spcPts val="0"/>
+              </a:spcBef>
+              <a:spcAft>
+                <a:spcPts val="1500"/>
+              </a:spcAft>
+            </a:pPr>
+            <a:endParaRPr lang="en-US" sz="1800" dirty="0">
+              <a:effectLst/>
+              <a:latin typeface="Times New Roman" panose="02020603050405020304" pitchFamily="18" charset="0"/>
+              <a:ea typeface="Times New Roman" panose="02020603050405020304" pitchFamily="18" charset="0"/>
+            </a:endParaRPr>
+          </a:p>
+        </p:txBody>
+      </p:sp>
+    </p:spTree>
+    <p:extLst>
+      <p:ext uri="{BB962C8B-B14F-4D97-AF65-F5344CB8AC3E}">
+        <p14:creationId xmlns:p14="http://schemas.microsoft.com/office/powerpoint/2010/main" val="590030722"/>
+      </p:ext>
+    </p:extLst>
+  </p:cSld>
+  <p:clrMapOvr>
+    <a:masterClrMapping/>
+  </p:clrMapOvr>
+</p:sld>
+</file>
+
 <file path=ppt/slides/slide4.xml><?xml version="1.0" encoding="utf-8"?>
 <p:sld xmlns:a="http://schemas.openxmlformats.org/drawingml/2006/main" xmlns:r="http://schemas.openxmlformats.org/officeDocument/2006/relationships" xmlns:p="http://schemas.openxmlformats.org/presentationml/2006/main">
   <p:cSld>
@@ -7866,6 +10542,793 @@
     <p:extLst>
       <p:ext uri="{BB962C8B-B14F-4D97-AF65-F5344CB8AC3E}">
         <p14:creationId xmlns:p14="http://schemas.microsoft.com/office/powerpoint/2010/main" val="1352543644"/>
+      </p:ext>
+    </p:extLst>
+  </p:cSld>
+  <p:clrMapOvr>
+    <a:masterClrMapping/>
+  </p:clrMapOvr>
+</p:sld>
+</file>
+
+<file path=ppt/slides/slide40.xml><?xml version="1.0" encoding="utf-8"?>
+<p:sld xmlns:a="http://schemas.openxmlformats.org/drawingml/2006/main" xmlns:r="http://schemas.openxmlformats.org/officeDocument/2006/relationships" xmlns:p="http://schemas.openxmlformats.org/presentationml/2006/main">
+  <p:cSld>
+    <p:spTree>
+      <p:nvGrpSpPr>
+        <p:cNvPr id="1" name=""/>
+        <p:cNvGrpSpPr/>
+        <p:nvPr/>
+      </p:nvGrpSpPr>
+      <p:grpSpPr>
+        <a:xfrm>
+          <a:off x="0" y="0"/>
+          <a:ext cx="0" cy="0"/>
+          <a:chOff x="0" y="0"/>
+          <a:chExt cx="0" cy="0"/>
+        </a:xfrm>
+      </p:grpSpPr>
+      <p:sp>
+        <p:nvSpPr>
+          <p:cNvPr id="2" name="Title 1">
+            <a:extLst>
+              <a:ext uri="{FF2B5EF4-FFF2-40B4-BE49-F238E27FC236}">
+                <a16:creationId xmlns:a16="http://schemas.microsoft.com/office/drawing/2014/main" id="{E6B88AEB-17AF-D756-F9EE-991030F2E832}"/>
+              </a:ext>
+            </a:extLst>
+          </p:cNvPr>
+          <p:cNvSpPr>
+            <a:spLocks noGrp="1"/>
+          </p:cNvSpPr>
+          <p:nvPr>
+            <p:ph type="title"/>
+          </p:nvPr>
+        </p:nvSpPr>
+        <p:spPr/>
+        <p:txBody>
+          <a:bodyPr/>
+          <a:lstStyle/>
+          <a:p>
+            <a:r>
+              <a:rPr lang="en-US" dirty="0"/>
+              <a:t>Applications of AI in Our World</a:t>
+            </a:r>
+          </a:p>
+        </p:txBody>
+      </p:sp>
+      <p:sp>
+        <p:nvSpPr>
+          <p:cNvPr id="3" name="Content Placeholder 2">
+            <a:extLst>
+              <a:ext uri="{FF2B5EF4-FFF2-40B4-BE49-F238E27FC236}">
+                <a16:creationId xmlns:a16="http://schemas.microsoft.com/office/drawing/2014/main" id="{C3674C45-932A-CE45-8612-78DBA9CCFC72}"/>
+              </a:ext>
+            </a:extLst>
+          </p:cNvPr>
+          <p:cNvSpPr>
+            <a:spLocks noGrp="1"/>
+          </p:cNvSpPr>
+          <p:nvPr>
+            <p:ph idx="1"/>
+          </p:nvPr>
+        </p:nvSpPr>
+        <p:spPr/>
+        <p:txBody>
+          <a:bodyPr/>
+          <a:lstStyle/>
+          <a:p>
+            <a:pPr marL="0" marR="0">
+              <a:spcBef>
+                <a:spcPts val="1500"/>
+              </a:spcBef>
+              <a:spcAft>
+                <a:spcPts val="1500"/>
+              </a:spcAft>
+            </a:pPr>
+            <a:r>
+              <a:rPr lang="en-US" sz="1800" b="1" dirty="0">
+                <a:effectLst/>
+                <a:latin typeface="Segoe UI" panose="020B0502040204020203" pitchFamily="34" charset="0"/>
+                <a:ea typeface="Times New Roman" panose="02020603050405020304" pitchFamily="18" charset="0"/>
+              </a:rPr>
+              <a:t>Agriculture:</a:t>
+            </a:r>
+            <a:endParaRPr lang="en-US" sz="1800" dirty="0">
+              <a:effectLst/>
+              <a:latin typeface="Times New Roman" panose="02020603050405020304" pitchFamily="18" charset="0"/>
+              <a:ea typeface="Times New Roman" panose="02020603050405020304" pitchFamily="18" charset="0"/>
+            </a:endParaRPr>
+          </a:p>
+          <a:p>
+            <a:pPr marL="342900" marR="0" lvl="0" indent="-342900">
+              <a:spcBef>
+                <a:spcPts val="0"/>
+              </a:spcBef>
+              <a:spcAft>
+                <a:spcPts val="0"/>
+              </a:spcAft>
+              <a:buSzPts val="1000"/>
+              <a:buFont typeface="Symbol" pitchFamily="2" charset="2"/>
+              <a:buChar char=""/>
+              <a:tabLst>
+                <a:tab pos="457200" algn="l"/>
+              </a:tabLst>
+            </a:pPr>
+            <a:r>
+              <a:rPr lang="en-US" sz="1800" b="1" dirty="0">
+                <a:effectLst/>
+                <a:latin typeface="Segoe UI" panose="020B0502040204020203" pitchFamily="34" charset="0"/>
+                <a:ea typeface="Times New Roman" panose="02020603050405020304" pitchFamily="18" charset="0"/>
+              </a:rPr>
+              <a:t>Precision Farming:</a:t>
+            </a:r>
+            <a:r>
+              <a:rPr lang="en-US" sz="1800" dirty="0">
+                <a:effectLst/>
+                <a:latin typeface="Segoe UI" panose="020B0502040204020203" pitchFamily="34" charset="0"/>
+                <a:ea typeface="Times New Roman" panose="02020603050405020304" pitchFamily="18" charset="0"/>
+              </a:rPr>
+              <a:t> AI-driven technologies enable precise application of fertilizers and pesticides, optimizing yield while minimizing environmental impact.</a:t>
+            </a:r>
+          </a:p>
+          <a:p>
+            <a:pPr marL="0" marR="0" lvl="0" indent="0">
+              <a:spcBef>
+                <a:spcPts val="0"/>
+              </a:spcBef>
+              <a:spcAft>
+                <a:spcPts val="0"/>
+              </a:spcAft>
+              <a:buSzPts val="1000"/>
+              <a:buNone/>
+              <a:tabLst>
+                <a:tab pos="457200" algn="l"/>
+              </a:tabLst>
+            </a:pPr>
+            <a:endParaRPr lang="en-US" sz="1800" dirty="0">
+              <a:effectLst/>
+              <a:latin typeface="Times New Roman" panose="02020603050405020304" pitchFamily="18" charset="0"/>
+              <a:ea typeface="Times New Roman" panose="02020603050405020304" pitchFamily="18" charset="0"/>
+            </a:endParaRPr>
+          </a:p>
+          <a:p>
+            <a:pPr marL="342900" marR="0" lvl="0" indent="-342900">
+              <a:spcBef>
+                <a:spcPts val="0"/>
+              </a:spcBef>
+              <a:spcAft>
+                <a:spcPts val="0"/>
+              </a:spcAft>
+              <a:buSzPts val="1000"/>
+              <a:buFont typeface="Symbol" pitchFamily="2" charset="2"/>
+              <a:buChar char=""/>
+              <a:tabLst>
+                <a:tab pos="457200" algn="l"/>
+              </a:tabLst>
+            </a:pPr>
+            <a:r>
+              <a:rPr lang="en-US" sz="1800" b="1" dirty="0">
+                <a:effectLst/>
+                <a:latin typeface="Segoe UI" panose="020B0502040204020203" pitchFamily="34" charset="0"/>
+                <a:ea typeface="Times New Roman" panose="02020603050405020304" pitchFamily="18" charset="0"/>
+              </a:rPr>
+              <a:t>Crop Monitoring:</a:t>
+            </a:r>
+            <a:r>
+              <a:rPr lang="en-US" sz="1800" dirty="0">
+                <a:effectLst/>
+                <a:latin typeface="Segoe UI" panose="020B0502040204020203" pitchFamily="34" charset="0"/>
+                <a:ea typeface="Times New Roman" panose="02020603050405020304" pitchFamily="18" charset="0"/>
+              </a:rPr>
+              <a:t> Employing drones and AI to monitor crop health, detect diseases, and predict yields.</a:t>
+            </a:r>
+          </a:p>
+          <a:p>
+            <a:pPr marL="0" marR="0" lvl="0" indent="0">
+              <a:spcBef>
+                <a:spcPts val="0"/>
+              </a:spcBef>
+              <a:spcAft>
+                <a:spcPts val="0"/>
+              </a:spcAft>
+              <a:buSzPts val="1000"/>
+              <a:buNone/>
+              <a:tabLst>
+                <a:tab pos="457200" algn="l"/>
+              </a:tabLst>
+            </a:pPr>
+            <a:endParaRPr lang="en-US" sz="1800" dirty="0">
+              <a:effectLst/>
+              <a:latin typeface="Times New Roman" panose="02020603050405020304" pitchFamily="18" charset="0"/>
+              <a:ea typeface="Times New Roman" panose="02020603050405020304" pitchFamily="18" charset="0"/>
+            </a:endParaRPr>
+          </a:p>
+          <a:p>
+            <a:pPr marL="342900" marR="0" lvl="0" indent="-342900">
+              <a:spcBef>
+                <a:spcPts val="0"/>
+              </a:spcBef>
+              <a:spcAft>
+                <a:spcPts val="0"/>
+              </a:spcAft>
+              <a:buSzPts val="1000"/>
+              <a:buFont typeface="Symbol" pitchFamily="2" charset="2"/>
+              <a:buChar char=""/>
+              <a:tabLst>
+                <a:tab pos="457200" algn="l"/>
+              </a:tabLst>
+            </a:pPr>
+            <a:r>
+              <a:rPr lang="en-US" sz="1800" b="1" dirty="0">
+                <a:effectLst/>
+                <a:latin typeface="Segoe UI" panose="020B0502040204020203" pitchFamily="34" charset="0"/>
+                <a:ea typeface="Times New Roman" panose="02020603050405020304" pitchFamily="18" charset="0"/>
+              </a:rPr>
+              <a:t>Automated Harvesting:</a:t>
+            </a:r>
+            <a:r>
+              <a:rPr lang="en-US" sz="1800" dirty="0">
+                <a:effectLst/>
+                <a:latin typeface="Segoe UI" panose="020B0502040204020203" pitchFamily="34" charset="0"/>
+                <a:ea typeface="Times New Roman" panose="02020603050405020304" pitchFamily="18" charset="0"/>
+              </a:rPr>
+              <a:t> Developing autonomous machinery for tasks like harvesting, reducing labor needs, and enhancing efficiency.</a:t>
+            </a:r>
+            <a:endParaRPr lang="en-US" sz="1800" dirty="0">
+              <a:effectLst/>
+              <a:latin typeface="Times New Roman" panose="02020603050405020304" pitchFamily="18" charset="0"/>
+              <a:ea typeface="Times New Roman" panose="02020603050405020304" pitchFamily="18" charset="0"/>
+            </a:endParaRPr>
+          </a:p>
+          <a:p>
+            <a:pPr marL="0" marR="0">
+              <a:spcBef>
+                <a:spcPts val="0"/>
+              </a:spcBef>
+              <a:spcAft>
+                <a:spcPts val="1500"/>
+              </a:spcAft>
+            </a:pPr>
+            <a:endParaRPr lang="en-US" sz="1800" dirty="0">
+              <a:effectLst/>
+              <a:latin typeface="Times New Roman" panose="02020603050405020304" pitchFamily="18" charset="0"/>
+              <a:ea typeface="Times New Roman" panose="02020603050405020304" pitchFamily="18" charset="0"/>
+            </a:endParaRPr>
+          </a:p>
+        </p:txBody>
+      </p:sp>
+    </p:spTree>
+    <p:extLst>
+      <p:ext uri="{BB962C8B-B14F-4D97-AF65-F5344CB8AC3E}">
+        <p14:creationId xmlns:p14="http://schemas.microsoft.com/office/powerpoint/2010/main" val="3853547193"/>
+      </p:ext>
+    </p:extLst>
+  </p:cSld>
+  <p:clrMapOvr>
+    <a:masterClrMapping/>
+  </p:clrMapOvr>
+</p:sld>
+</file>
+
+<file path=ppt/slides/slide41.xml><?xml version="1.0" encoding="utf-8"?>
+<p:sld xmlns:a="http://schemas.openxmlformats.org/drawingml/2006/main" xmlns:r="http://schemas.openxmlformats.org/officeDocument/2006/relationships" xmlns:p="http://schemas.openxmlformats.org/presentationml/2006/main">
+  <p:cSld>
+    <p:spTree>
+      <p:nvGrpSpPr>
+        <p:cNvPr id="1" name=""/>
+        <p:cNvGrpSpPr/>
+        <p:nvPr/>
+      </p:nvGrpSpPr>
+      <p:grpSpPr>
+        <a:xfrm>
+          <a:off x="0" y="0"/>
+          <a:ext cx="0" cy="0"/>
+          <a:chOff x="0" y="0"/>
+          <a:chExt cx="0" cy="0"/>
+        </a:xfrm>
+      </p:grpSpPr>
+      <p:sp>
+        <p:nvSpPr>
+          <p:cNvPr id="2" name="Title 1">
+            <a:extLst>
+              <a:ext uri="{FF2B5EF4-FFF2-40B4-BE49-F238E27FC236}">
+                <a16:creationId xmlns:a16="http://schemas.microsoft.com/office/drawing/2014/main" id="{E6B88AEB-17AF-D756-F9EE-991030F2E832}"/>
+              </a:ext>
+            </a:extLst>
+          </p:cNvPr>
+          <p:cNvSpPr>
+            <a:spLocks noGrp="1"/>
+          </p:cNvSpPr>
+          <p:nvPr>
+            <p:ph type="title"/>
+          </p:nvPr>
+        </p:nvSpPr>
+        <p:spPr/>
+        <p:txBody>
+          <a:bodyPr/>
+          <a:lstStyle/>
+          <a:p>
+            <a:r>
+              <a:rPr lang="en-US" dirty="0"/>
+              <a:t>Applications of AI in Our World</a:t>
+            </a:r>
+          </a:p>
+        </p:txBody>
+      </p:sp>
+      <p:sp>
+        <p:nvSpPr>
+          <p:cNvPr id="3" name="Content Placeholder 2">
+            <a:extLst>
+              <a:ext uri="{FF2B5EF4-FFF2-40B4-BE49-F238E27FC236}">
+                <a16:creationId xmlns:a16="http://schemas.microsoft.com/office/drawing/2014/main" id="{C3674C45-932A-CE45-8612-78DBA9CCFC72}"/>
+              </a:ext>
+            </a:extLst>
+          </p:cNvPr>
+          <p:cNvSpPr>
+            <a:spLocks noGrp="1"/>
+          </p:cNvSpPr>
+          <p:nvPr>
+            <p:ph idx="1"/>
+          </p:nvPr>
+        </p:nvSpPr>
+        <p:spPr/>
+        <p:txBody>
+          <a:bodyPr/>
+          <a:lstStyle/>
+          <a:p>
+            <a:pPr marL="0" marR="0">
+              <a:spcBef>
+                <a:spcPts val="1500"/>
+              </a:spcBef>
+              <a:spcAft>
+                <a:spcPts val="1500"/>
+              </a:spcAft>
+            </a:pPr>
+            <a:r>
+              <a:rPr lang="en-US" sz="1800" b="1" dirty="0">
+                <a:effectLst/>
+                <a:latin typeface="Segoe UI" panose="020B0502040204020203" pitchFamily="34" charset="0"/>
+                <a:ea typeface="Times New Roman" panose="02020603050405020304" pitchFamily="18" charset="0"/>
+              </a:rPr>
+              <a:t>Environment and Climate Change:</a:t>
+            </a:r>
+            <a:endParaRPr lang="en-US" sz="1800" dirty="0">
+              <a:effectLst/>
+              <a:latin typeface="Times New Roman" panose="02020603050405020304" pitchFamily="18" charset="0"/>
+              <a:ea typeface="Times New Roman" panose="02020603050405020304" pitchFamily="18" charset="0"/>
+            </a:endParaRPr>
+          </a:p>
+          <a:p>
+            <a:pPr marL="342900" marR="0" lvl="0" indent="-342900">
+              <a:spcBef>
+                <a:spcPts val="0"/>
+              </a:spcBef>
+              <a:spcAft>
+                <a:spcPts val="0"/>
+              </a:spcAft>
+              <a:buSzPts val="1000"/>
+              <a:buFont typeface="Symbol" pitchFamily="2" charset="2"/>
+              <a:buChar char=""/>
+              <a:tabLst>
+                <a:tab pos="457200" algn="l"/>
+              </a:tabLst>
+            </a:pPr>
+            <a:r>
+              <a:rPr lang="en-US" sz="1800" b="1" dirty="0">
+                <a:effectLst/>
+                <a:latin typeface="Segoe UI" panose="020B0502040204020203" pitchFamily="34" charset="0"/>
+                <a:ea typeface="Times New Roman" panose="02020603050405020304" pitchFamily="18" charset="0"/>
+              </a:rPr>
+              <a:t>Wildlife Preservation:</a:t>
+            </a:r>
+            <a:r>
+              <a:rPr lang="en-US" sz="1800" dirty="0">
+                <a:effectLst/>
+                <a:latin typeface="Segoe UI" panose="020B0502040204020203" pitchFamily="34" charset="0"/>
+                <a:ea typeface="Times New Roman" panose="02020603050405020304" pitchFamily="18" charset="0"/>
+              </a:rPr>
+              <a:t> Utilizing AI to monitor wildlife, predict threats, and develop conservation strategies.</a:t>
+            </a:r>
+          </a:p>
+          <a:p>
+            <a:pPr marL="0" marR="0" lvl="0" indent="0">
+              <a:spcBef>
+                <a:spcPts val="0"/>
+              </a:spcBef>
+              <a:spcAft>
+                <a:spcPts val="0"/>
+              </a:spcAft>
+              <a:buSzPts val="1000"/>
+              <a:buNone/>
+              <a:tabLst>
+                <a:tab pos="457200" algn="l"/>
+              </a:tabLst>
+            </a:pPr>
+            <a:endParaRPr lang="en-US" sz="1800" dirty="0">
+              <a:effectLst/>
+              <a:latin typeface="Times New Roman" panose="02020603050405020304" pitchFamily="18" charset="0"/>
+              <a:ea typeface="Times New Roman" panose="02020603050405020304" pitchFamily="18" charset="0"/>
+            </a:endParaRPr>
+          </a:p>
+          <a:p>
+            <a:pPr marL="342900" marR="0" lvl="0" indent="-342900">
+              <a:spcBef>
+                <a:spcPts val="0"/>
+              </a:spcBef>
+              <a:spcAft>
+                <a:spcPts val="0"/>
+              </a:spcAft>
+              <a:buSzPts val="1000"/>
+              <a:buFont typeface="Symbol" pitchFamily="2" charset="2"/>
+              <a:buChar char=""/>
+              <a:tabLst>
+                <a:tab pos="457200" algn="l"/>
+              </a:tabLst>
+            </a:pPr>
+            <a:r>
+              <a:rPr lang="en-US" sz="1800" b="1" dirty="0">
+                <a:effectLst/>
+                <a:latin typeface="Segoe UI" panose="020B0502040204020203" pitchFamily="34" charset="0"/>
+                <a:ea typeface="Times New Roman" panose="02020603050405020304" pitchFamily="18" charset="0"/>
+              </a:rPr>
+              <a:t>Climate Modeling:</a:t>
+            </a:r>
+            <a:r>
+              <a:rPr lang="en-US" sz="1800" dirty="0">
+                <a:effectLst/>
+                <a:latin typeface="Segoe UI" panose="020B0502040204020203" pitchFamily="34" charset="0"/>
+                <a:ea typeface="Times New Roman" panose="02020603050405020304" pitchFamily="18" charset="0"/>
+              </a:rPr>
+              <a:t> Employing AI to enhance the predictive accuracy of climate models, aiding in the development of mitigation and adaptation strategies.</a:t>
+            </a:r>
+          </a:p>
+          <a:p>
+            <a:pPr marL="0" marR="0" lvl="0" indent="0">
+              <a:spcBef>
+                <a:spcPts val="0"/>
+              </a:spcBef>
+              <a:spcAft>
+                <a:spcPts val="0"/>
+              </a:spcAft>
+              <a:buSzPts val="1000"/>
+              <a:buNone/>
+              <a:tabLst>
+                <a:tab pos="457200" algn="l"/>
+              </a:tabLst>
+            </a:pPr>
+            <a:endParaRPr lang="en-US" sz="1800" dirty="0">
+              <a:effectLst/>
+              <a:latin typeface="Times New Roman" panose="02020603050405020304" pitchFamily="18" charset="0"/>
+              <a:ea typeface="Times New Roman" panose="02020603050405020304" pitchFamily="18" charset="0"/>
+            </a:endParaRPr>
+          </a:p>
+          <a:p>
+            <a:pPr marL="342900" marR="0" lvl="0" indent="-342900">
+              <a:spcBef>
+                <a:spcPts val="0"/>
+              </a:spcBef>
+              <a:spcAft>
+                <a:spcPts val="0"/>
+              </a:spcAft>
+              <a:buSzPts val="1000"/>
+              <a:buFont typeface="Symbol" pitchFamily="2" charset="2"/>
+              <a:buChar char=""/>
+              <a:tabLst>
+                <a:tab pos="457200" algn="l"/>
+              </a:tabLst>
+            </a:pPr>
+            <a:r>
+              <a:rPr lang="en-US" sz="1800" b="1" dirty="0">
+                <a:effectLst/>
+                <a:latin typeface="Segoe UI" panose="020B0502040204020203" pitchFamily="34" charset="0"/>
+                <a:ea typeface="Times New Roman" panose="02020603050405020304" pitchFamily="18" charset="0"/>
+              </a:rPr>
+              <a:t>Resource Optimization:</a:t>
+            </a:r>
+            <a:r>
+              <a:rPr lang="en-US" sz="1800" dirty="0">
+                <a:effectLst/>
+                <a:latin typeface="Segoe UI" panose="020B0502040204020203" pitchFamily="34" charset="0"/>
+                <a:ea typeface="Times New Roman" panose="02020603050405020304" pitchFamily="18" charset="0"/>
+              </a:rPr>
+              <a:t> AI aids in optimizing resource utilization in various industries, contributing to sustainability and reducing environmental footprints.</a:t>
+            </a:r>
+            <a:endParaRPr lang="en-US" sz="1800" dirty="0">
+              <a:effectLst/>
+              <a:latin typeface="Times New Roman" panose="02020603050405020304" pitchFamily="18" charset="0"/>
+              <a:ea typeface="Times New Roman" panose="02020603050405020304" pitchFamily="18" charset="0"/>
+            </a:endParaRPr>
+          </a:p>
+          <a:p>
+            <a:pPr marL="0" marR="0" lvl="0" indent="0">
+              <a:spcBef>
+                <a:spcPts val="0"/>
+              </a:spcBef>
+              <a:spcAft>
+                <a:spcPts val="0"/>
+              </a:spcAft>
+              <a:buSzPts val="1000"/>
+              <a:buNone/>
+              <a:tabLst>
+                <a:tab pos="457200" algn="l"/>
+              </a:tabLst>
+            </a:pPr>
+            <a:endParaRPr lang="en-US" sz="1800" dirty="0">
+              <a:effectLst/>
+              <a:latin typeface="Times New Roman" panose="02020603050405020304" pitchFamily="18" charset="0"/>
+              <a:ea typeface="Times New Roman" panose="02020603050405020304" pitchFamily="18" charset="0"/>
+            </a:endParaRPr>
+          </a:p>
+        </p:txBody>
+      </p:sp>
+    </p:spTree>
+    <p:extLst>
+      <p:ext uri="{BB962C8B-B14F-4D97-AF65-F5344CB8AC3E}">
+        <p14:creationId xmlns:p14="http://schemas.microsoft.com/office/powerpoint/2010/main" val="209766708"/>
+      </p:ext>
+    </p:extLst>
+  </p:cSld>
+  <p:clrMapOvr>
+    <a:masterClrMapping/>
+  </p:clrMapOvr>
+</p:sld>
+</file>
+
+<file path=ppt/slides/slide42.xml><?xml version="1.0" encoding="utf-8"?>
+<p:sld xmlns:a="http://schemas.openxmlformats.org/drawingml/2006/main" xmlns:r="http://schemas.openxmlformats.org/officeDocument/2006/relationships" xmlns:p="http://schemas.openxmlformats.org/presentationml/2006/main">
+  <p:cSld>
+    <p:spTree>
+      <p:nvGrpSpPr>
+        <p:cNvPr id="1" name=""/>
+        <p:cNvGrpSpPr/>
+        <p:nvPr/>
+      </p:nvGrpSpPr>
+      <p:grpSpPr>
+        <a:xfrm>
+          <a:off x="0" y="0"/>
+          <a:ext cx="0" cy="0"/>
+          <a:chOff x="0" y="0"/>
+          <a:chExt cx="0" cy="0"/>
+        </a:xfrm>
+      </p:grpSpPr>
+      <p:sp>
+        <p:nvSpPr>
+          <p:cNvPr id="2" name="Title 1">
+            <a:extLst>
+              <a:ext uri="{FF2B5EF4-FFF2-40B4-BE49-F238E27FC236}">
+                <a16:creationId xmlns:a16="http://schemas.microsoft.com/office/drawing/2014/main" id="{E6B88AEB-17AF-D756-F9EE-991030F2E832}"/>
+              </a:ext>
+            </a:extLst>
+          </p:cNvPr>
+          <p:cNvSpPr>
+            <a:spLocks noGrp="1"/>
+          </p:cNvSpPr>
+          <p:nvPr>
+            <p:ph type="title"/>
+          </p:nvPr>
+        </p:nvSpPr>
+        <p:spPr/>
+        <p:txBody>
+          <a:bodyPr/>
+          <a:lstStyle/>
+          <a:p>
+            <a:r>
+              <a:rPr lang="en-US" dirty="0"/>
+              <a:t>Applications of AI in Our World</a:t>
+            </a:r>
+          </a:p>
+        </p:txBody>
+      </p:sp>
+      <p:sp>
+        <p:nvSpPr>
+          <p:cNvPr id="3" name="Content Placeholder 2">
+            <a:extLst>
+              <a:ext uri="{FF2B5EF4-FFF2-40B4-BE49-F238E27FC236}">
+                <a16:creationId xmlns:a16="http://schemas.microsoft.com/office/drawing/2014/main" id="{C3674C45-932A-CE45-8612-78DBA9CCFC72}"/>
+              </a:ext>
+            </a:extLst>
+          </p:cNvPr>
+          <p:cNvSpPr>
+            <a:spLocks noGrp="1"/>
+          </p:cNvSpPr>
+          <p:nvPr>
+            <p:ph idx="1"/>
+          </p:nvPr>
+        </p:nvSpPr>
+        <p:spPr/>
+        <p:txBody>
+          <a:bodyPr/>
+          <a:lstStyle/>
+          <a:p>
+            <a:pPr marL="0" marR="0">
+              <a:spcBef>
+                <a:spcPts val="1500"/>
+              </a:spcBef>
+              <a:spcAft>
+                <a:spcPts val="1500"/>
+              </a:spcAft>
+            </a:pPr>
+            <a:r>
+              <a:rPr lang="en-US" sz="1800" b="1" dirty="0">
+                <a:effectLst/>
+                <a:latin typeface="Segoe UI" panose="020B0502040204020203" pitchFamily="34" charset="0"/>
+                <a:ea typeface="Times New Roman" panose="02020603050405020304" pitchFamily="18" charset="0"/>
+              </a:rPr>
+              <a:t>Legal:</a:t>
+            </a:r>
+            <a:endParaRPr lang="en-US" sz="1800" dirty="0">
+              <a:effectLst/>
+              <a:latin typeface="Times New Roman" panose="02020603050405020304" pitchFamily="18" charset="0"/>
+              <a:ea typeface="Times New Roman" panose="02020603050405020304" pitchFamily="18" charset="0"/>
+            </a:endParaRPr>
+          </a:p>
+          <a:p>
+            <a:pPr marL="342900" marR="0" lvl="0" indent="-342900">
+              <a:spcBef>
+                <a:spcPts val="0"/>
+              </a:spcBef>
+              <a:spcAft>
+                <a:spcPts val="0"/>
+              </a:spcAft>
+              <a:buSzPts val="1000"/>
+              <a:buFont typeface="Symbol" pitchFamily="2" charset="2"/>
+              <a:buChar char=""/>
+              <a:tabLst>
+                <a:tab pos="457200" algn="l"/>
+              </a:tabLst>
+            </a:pPr>
+            <a:r>
+              <a:rPr lang="en-US" sz="1800" b="1" dirty="0">
+                <a:effectLst/>
+                <a:latin typeface="Segoe UI" panose="020B0502040204020203" pitchFamily="34" charset="0"/>
+                <a:ea typeface="Times New Roman" panose="02020603050405020304" pitchFamily="18" charset="0"/>
+              </a:rPr>
+              <a:t>Document Review:</a:t>
+            </a:r>
+            <a:r>
+              <a:rPr lang="en-US" sz="1800" dirty="0">
+                <a:effectLst/>
+                <a:latin typeface="Segoe UI" panose="020B0502040204020203" pitchFamily="34" charset="0"/>
+                <a:ea typeface="Times New Roman" panose="02020603050405020304" pitchFamily="18" charset="0"/>
+              </a:rPr>
+              <a:t> Automating the review of legal documents, AI can identify relevant materials, reducing manual labor and enhancing efficiency.</a:t>
+            </a:r>
+          </a:p>
+          <a:p>
+            <a:pPr marL="0" marR="0" lvl="0" indent="0">
+              <a:spcBef>
+                <a:spcPts val="0"/>
+              </a:spcBef>
+              <a:spcAft>
+                <a:spcPts val="0"/>
+              </a:spcAft>
+              <a:buSzPts val="1000"/>
+              <a:buNone/>
+              <a:tabLst>
+                <a:tab pos="457200" algn="l"/>
+              </a:tabLst>
+            </a:pPr>
+            <a:endParaRPr lang="en-US" sz="1800" dirty="0">
+              <a:effectLst/>
+              <a:latin typeface="Times New Roman" panose="02020603050405020304" pitchFamily="18" charset="0"/>
+              <a:ea typeface="Times New Roman" panose="02020603050405020304" pitchFamily="18" charset="0"/>
+            </a:endParaRPr>
+          </a:p>
+          <a:p>
+            <a:pPr marL="342900" marR="0" lvl="0" indent="-342900">
+              <a:spcBef>
+                <a:spcPts val="0"/>
+              </a:spcBef>
+              <a:spcAft>
+                <a:spcPts val="0"/>
+              </a:spcAft>
+              <a:buSzPts val="1000"/>
+              <a:buFont typeface="Symbol" pitchFamily="2" charset="2"/>
+              <a:buChar char=""/>
+              <a:tabLst>
+                <a:tab pos="457200" algn="l"/>
+              </a:tabLst>
+            </a:pPr>
+            <a:r>
+              <a:rPr lang="en-US" sz="1800" b="1" dirty="0">
+                <a:effectLst/>
+                <a:latin typeface="Segoe UI" panose="020B0502040204020203" pitchFamily="34" charset="0"/>
+                <a:ea typeface="Times New Roman" panose="02020603050405020304" pitchFamily="18" charset="0"/>
+              </a:rPr>
+              <a:t>Legal Research:</a:t>
+            </a:r>
+            <a:r>
+              <a:rPr lang="en-US" sz="1800" dirty="0">
+                <a:effectLst/>
+                <a:latin typeface="Segoe UI" panose="020B0502040204020203" pitchFamily="34" charset="0"/>
+                <a:ea typeface="Times New Roman" panose="02020603050405020304" pitchFamily="18" charset="0"/>
+              </a:rPr>
+              <a:t> AI can streamline legal research, rapidly retrieving relevant case law and statutory provisions.</a:t>
+            </a:r>
+          </a:p>
+          <a:p>
+            <a:pPr marL="0" marR="0" lvl="0" indent="0">
+              <a:spcBef>
+                <a:spcPts val="0"/>
+              </a:spcBef>
+              <a:spcAft>
+                <a:spcPts val="0"/>
+              </a:spcAft>
+              <a:buSzPts val="1000"/>
+              <a:buNone/>
+              <a:tabLst>
+                <a:tab pos="457200" algn="l"/>
+              </a:tabLst>
+            </a:pPr>
+            <a:endParaRPr lang="en-US" sz="1800" dirty="0">
+              <a:effectLst/>
+              <a:latin typeface="Times New Roman" panose="02020603050405020304" pitchFamily="18" charset="0"/>
+              <a:ea typeface="Times New Roman" panose="02020603050405020304" pitchFamily="18" charset="0"/>
+            </a:endParaRPr>
+          </a:p>
+          <a:p>
+            <a:pPr marL="342900" marR="0" lvl="0" indent="-342900">
+              <a:spcBef>
+                <a:spcPts val="0"/>
+              </a:spcBef>
+              <a:spcAft>
+                <a:spcPts val="0"/>
+              </a:spcAft>
+              <a:buSzPts val="1000"/>
+              <a:buFont typeface="Symbol" pitchFamily="2" charset="2"/>
+              <a:buChar char=""/>
+              <a:tabLst>
+                <a:tab pos="457200" algn="l"/>
+              </a:tabLst>
+            </a:pPr>
+            <a:r>
+              <a:rPr lang="en-US" sz="1800" b="1" dirty="0">
+                <a:effectLst/>
+                <a:latin typeface="Segoe UI" panose="020B0502040204020203" pitchFamily="34" charset="0"/>
+                <a:ea typeface="Times New Roman" panose="02020603050405020304" pitchFamily="18" charset="0"/>
+              </a:rPr>
+              <a:t>Contract Analysis:</a:t>
+            </a:r>
+            <a:r>
+              <a:rPr lang="en-US" sz="1800" dirty="0">
+                <a:effectLst/>
+                <a:latin typeface="Segoe UI" panose="020B0502040204020203" pitchFamily="34" charset="0"/>
+                <a:ea typeface="Times New Roman" panose="02020603050405020304" pitchFamily="18" charset="0"/>
+              </a:rPr>
+              <a:t> Employing AI to review and analyze contracts, identifying potential issues and providing insights.</a:t>
+            </a:r>
+            <a:endParaRPr lang="en-US" sz="1800" dirty="0">
+              <a:effectLst/>
+              <a:latin typeface="Times New Roman" panose="02020603050405020304" pitchFamily="18" charset="0"/>
+              <a:ea typeface="Times New Roman" panose="02020603050405020304" pitchFamily="18" charset="0"/>
+            </a:endParaRPr>
+          </a:p>
+          <a:p>
+            <a:pPr marL="0" marR="0" lvl="0" indent="0">
+              <a:spcBef>
+                <a:spcPts val="0"/>
+              </a:spcBef>
+              <a:spcAft>
+                <a:spcPts val="0"/>
+              </a:spcAft>
+              <a:buSzPts val="1000"/>
+              <a:buNone/>
+              <a:tabLst>
+                <a:tab pos="457200" algn="l"/>
+              </a:tabLst>
+            </a:pPr>
+            <a:endParaRPr lang="en-US" sz="1800" dirty="0">
+              <a:effectLst/>
+              <a:latin typeface="Times New Roman" panose="02020603050405020304" pitchFamily="18" charset="0"/>
+              <a:ea typeface="Times New Roman" panose="02020603050405020304" pitchFamily="18" charset="0"/>
+            </a:endParaRPr>
+          </a:p>
+        </p:txBody>
+      </p:sp>
+    </p:spTree>
+    <p:extLst>
+      <p:ext uri="{BB962C8B-B14F-4D97-AF65-F5344CB8AC3E}">
+        <p14:creationId xmlns:p14="http://schemas.microsoft.com/office/powerpoint/2010/main" val="1762430326"/>
       </p:ext>
     </p:extLst>
   </p:cSld>
